--- a/django_ppt/blog_ppt/3장. blog 글수정, 삭제 및 카테고리.pptx
+++ b/django_ppt/blog_ppt/3장. blog 글수정, 삭제 및 카테고리.pptx
@@ -22,18 +22,18 @@
     <p:sldId id="431" r:id="rId13"/>
     <p:sldId id="433" r:id="rId14"/>
     <p:sldId id="434" r:id="rId15"/>
-    <p:sldId id="435" r:id="rId16"/>
-    <p:sldId id="436" r:id="rId17"/>
+    <p:sldId id="452" r:id="rId16"/>
+    <p:sldId id="453" r:id="rId17"/>
     <p:sldId id="437" r:id="rId18"/>
-    <p:sldId id="446" r:id="rId19"/>
-    <p:sldId id="447" r:id="rId20"/>
-    <p:sldId id="448" r:id="rId21"/>
-    <p:sldId id="450" r:id="rId22"/>
-    <p:sldId id="439" r:id="rId23"/>
-    <p:sldId id="440" r:id="rId24"/>
-    <p:sldId id="441" r:id="rId25"/>
-    <p:sldId id="444" r:id="rId26"/>
-    <p:sldId id="445" r:id="rId27"/>
+    <p:sldId id="447" r:id="rId19"/>
+    <p:sldId id="455" r:id="rId20"/>
+    <p:sldId id="454" r:id="rId21"/>
+    <p:sldId id="435" r:id="rId22"/>
+    <p:sldId id="436" r:id="rId23"/>
+    <p:sldId id="446" r:id="rId24"/>
+    <p:sldId id="456" r:id="rId25"/>
+    <p:sldId id="448" r:id="rId26"/>
+    <p:sldId id="450" r:id="rId27"/>
     <p:sldId id="449" r:id="rId28"/>
     <p:sldId id="432" r:id="rId29"/>
   </p:sldIdLst>
@@ -136,7 +136,7 @@
   </p:defaultTextStyle>
   <p:extLst>
     <p:ext uri="{EFAFB233-063F-42B5-8137-9DF3F51BA10A}">
-      <p15:sldGuideLst xmlns:p15="http://schemas.microsoft.com/office/powerpoint/2012/main" xmlns="">
+      <p15:sldGuideLst xmlns:p15="http://schemas.microsoft.com/office/powerpoint/2012/main">
         <p15:guide id="1" orient="horz" pos="2160">
           <p15:clr>
             <a:srgbClr val="A4A3A4"/>
@@ -235,7 +235,7 @@
           <a:p>
             <a:fld id="{7665CDAC-D627-4E87-877A-1B781DD4CADC}" type="datetimeFigureOut">
               <a:rPr lang="ko-KR" altLang="en-US" smtClean="0"/>
-              <a:t>2022-03-18</a:t>
+              <a:t>2023-06-23</a:t>
             </a:fld>
             <a:endParaRPr lang="ko-KR" altLang="en-US"/>
           </a:p>
@@ -647,7 +647,7 @@
           <a:p>
             <a:fld id="{C25BCFD5-C4DF-4EBC-B718-C69ED2FBDE6F}" type="datetime1">
               <a:rPr lang="ko-KR" altLang="en-US" smtClean="0"/>
-              <a:t>2022-03-18</a:t>
+              <a:t>2023-06-23</a:t>
             </a:fld>
             <a:endParaRPr lang="ko-KR" altLang="en-US"/>
           </a:p>
@@ -700,7 +700,7 @@
           <p:cNvPr id="9" name="직각 삼각형 2">
             <a:extLst>
               <a:ext uri="{FF2B5EF4-FFF2-40B4-BE49-F238E27FC236}">
-                <a16:creationId xmlns="" xmlns:a16="http://schemas.microsoft.com/office/drawing/2014/main" id="{3A714731-6D03-4E18-B8C6-D8E1F4F17412}"/>
+                <a16:creationId xmlns:a16="http://schemas.microsoft.com/office/drawing/2014/main" id="{3A714731-6D03-4E18-B8C6-D8E1F4F17412}"/>
               </a:ext>
             </a:extLst>
           </p:cNvPr>
@@ -816,7 +816,7 @@
           <p:cNvPr id="3" name="직각 삼각형 2">
             <a:extLst>
               <a:ext uri="{FF2B5EF4-FFF2-40B4-BE49-F238E27FC236}">
-                <a16:creationId xmlns="" xmlns:a16="http://schemas.microsoft.com/office/drawing/2014/main" id="{DF1B6BC0-8338-40DD-BF30-626E17AD387E}"/>
+                <a16:creationId xmlns:a16="http://schemas.microsoft.com/office/drawing/2014/main" id="{DF1B6BC0-8338-40DD-BF30-626E17AD387E}"/>
               </a:ext>
             </a:extLst>
           </p:cNvPr>
@@ -929,7 +929,7 @@
           <p:cNvPr id="2050" name="Picture 2" descr="íì´ì¬ â¢">
             <a:extLst>
               <a:ext uri="{FF2B5EF4-FFF2-40B4-BE49-F238E27FC236}">
-                <a16:creationId xmlns="" xmlns:a16="http://schemas.microsoft.com/office/drawing/2014/main" id="{8B696DBA-70BE-4EBC-8628-59B49C89E0D4}"/>
+                <a16:creationId xmlns:a16="http://schemas.microsoft.com/office/drawing/2014/main" id="{8B696DBA-70BE-4EBC-8628-59B49C89E0D4}"/>
               </a:ext>
             </a:extLst>
           </p:cNvPr>
@@ -1098,7 +1098,7 @@
           <a:p>
             <a:fld id="{AB448CD7-D367-43D5-B461-ACE552E75063}" type="datetime1">
               <a:rPr lang="ko-KR" altLang="en-US" smtClean="0"/>
-              <a:t>2022-03-18</a:t>
+              <a:t>2023-06-23</a:t>
             </a:fld>
             <a:endParaRPr lang="ko-KR" altLang="en-US"/>
           </a:p>
@@ -1276,7 +1276,7 @@
           <a:p>
             <a:fld id="{B6E49E79-7361-4780-8BEF-7EDE3708298A}" type="datetime1">
               <a:rPr lang="ko-KR" altLang="en-US" smtClean="0"/>
-              <a:t>2022-03-18</a:t>
+              <a:t>2023-06-23</a:t>
             </a:fld>
             <a:endParaRPr lang="ko-KR" altLang="en-US"/>
           </a:p>
@@ -1448,7 +1448,7 @@
           <a:p>
             <a:fld id="{A4D42E3C-B70B-437C-85CF-1286301B9CBA}" type="datetime1">
               <a:rPr lang="ko-KR" altLang="en-US" smtClean="0"/>
-              <a:t>2022-03-18</a:t>
+              <a:t>2023-06-23</a:t>
             </a:fld>
             <a:endParaRPr lang="ko-KR" altLang="en-US"/>
           </a:p>
@@ -1700,7 +1700,7 @@
           <a:p>
             <a:fld id="{B3369A20-5B3D-4D98-A822-26B93D177A40}" type="datetime1">
               <a:rPr lang="ko-KR" altLang="en-US" smtClean="0"/>
-              <a:t>2022-03-18</a:t>
+              <a:t>2023-06-23</a:t>
             </a:fld>
             <a:endParaRPr lang="ko-KR" altLang="en-US"/>
           </a:p>
@@ -1985,7 +1985,7 @@
           <a:p>
             <a:fld id="{685CD4CE-9E43-4F70-A9D8-A2130CA7D92A}" type="datetime1">
               <a:rPr lang="ko-KR" altLang="en-US" smtClean="0"/>
-              <a:t>2022-03-18</a:t>
+              <a:t>2023-06-23</a:t>
             </a:fld>
             <a:endParaRPr lang="ko-KR" altLang="en-US"/>
           </a:p>
@@ -2411,7 +2411,7 @@
           <a:p>
             <a:fld id="{F752BD92-DA3E-4A0B-90C9-7DE5E15B6E96}" type="datetime1">
               <a:rPr lang="ko-KR" altLang="en-US" smtClean="0"/>
-              <a:t>2022-03-18</a:t>
+              <a:t>2023-06-23</a:t>
             </a:fld>
             <a:endParaRPr lang="ko-KR" altLang="en-US"/>
           </a:p>
@@ -2535,7 +2535,7 @@
           <a:p>
             <a:fld id="{8EA2B83A-F366-424E-B742-340ACF856BB5}" type="datetime1">
               <a:rPr lang="ko-KR" altLang="en-US" smtClean="0"/>
-              <a:t>2022-03-18</a:t>
+              <a:t>2023-06-23</a:t>
             </a:fld>
             <a:endParaRPr lang="ko-KR" altLang="en-US"/>
           </a:p>
@@ -2630,7 +2630,7 @@
           <a:p>
             <a:fld id="{9A49D68B-5DBD-48E9-A8D4-FCBC4B3DD9C6}" type="datetime1">
               <a:rPr lang="ko-KR" altLang="en-US" smtClean="0"/>
-              <a:t>2022-03-18</a:t>
+              <a:t>2023-06-23</a:t>
             </a:fld>
             <a:endParaRPr lang="ko-KR" altLang="en-US"/>
           </a:p>
@@ -2905,7 +2905,7 @@
           <a:p>
             <a:fld id="{4CAB534F-7D16-467B-9320-91F98915D181}" type="datetime1">
               <a:rPr lang="ko-KR" altLang="en-US" smtClean="0"/>
-              <a:t>2022-03-18</a:t>
+              <a:t>2023-06-23</a:t>
             </a:fld>
             <a:endParaRPr lang="ko-KR" altLang="en-US"/>
           </a:p>
@@ -3157,7 +3157,7 @@
           <a:p>
             <a:fld id="{A390A91F-2F8D-4486-A69D-D680F95444B0}" type="datetime1">
               <a:rPr lang="ko-KR" altLang="en-US" smtClean="0"/>
-              <a:t>2022-03-18</a:t>
+              <a:t>2023-06-23</a:t>
             </a:fld>
             <a:endParaRPr lang="ko-KR" altLang="en-US"/>
           </a:p>
@@ -3336,7 +3336,7 @@
           <a:p>
             <a:fld id="{2238BBEA-E8DD-414A-BF68-FC2AFA7CFF2D}" type="datetime1">
               <a:rPr lang="ko-KR" altLang="en-US" smtClean="0"/>
-              <a:t>2022-03-18</a:t>
+              <a:t>2023-06-23</a:t>
             </a:fld>
             <a:endParaRPr lang="ko-KR" altLang="en-US"/>
           </a:p>
@@ -4705,7 +4705,7 @@
       </p:sp>
       <p:pic>
         <p:nvPicPr>
-          <p:cNvPr id="5" name="그림 4"/>
+          <p:cNvPr id="3" name="그림 2"/>
           <p:cNvPicPr>
             <a:picLocks noChangeAspect="1"/>
           </p:cNvPicPr>
@@ -4725,8 +4725,8 @@
         </p:blipFill>
         <p:spPr>
           <a:xfrm>
-            <a:off x="848544" y="1196752"/>
-            <a:ext cx="8136904" cy="4938962"/>
+            <a:off x="882384" y="1268760"/>
+            <a:ext cx="8265368" cy="5056897"/>
           </a:xfrm>
           <a:prstGeom prst="rect">
             <a:avLst/>
@@ -4850,7 +4850,7 @@
         <p:spPr>
           <a:xfrm>
             <a:off x="1208584" y="1268760"/>
-            <a:ext cx="3528392" cy="507831"/>
+            <a:ext cx="7344816" cy="507831"/>
           </a:xfrm>
           <a:prstGeom prst="rect">
             <a:avLst/>
@@ -4878,7 +4878,27 @@
             </a:r>
             <a:r>
               <a:rPr lang="ko-KR" altLang="en-US" dirty="0" smtClean="0"/>
-              <a:t>모델 만들기</a:t>
+              <a:t>모델 </a:t>
+            </a:r>
+            <a:r>
+              <a:rPr lang="ko-KR" altLang="en-US" dirty="0" smtClean="0"/>
+              <a:t>만들기 </a:t>
+            </a:r>
+            <a:r>
+              <a:rPr lang="en-US" altLang="ko-KR" dirty="0" smtClean="0"/>
+              <a:t>– </a:t>
+            </a:r>
+            <a:r>
+              <a:rPr lang="ko-KR" altLang="en-US" dirty="0" smtClean="0"/>
+              <a:t>참조하는 모델</a:t>
+            </a:r>
+            <a:r>
+              <a:rPr lang="en-US" altLang="ko-KR" dirty="0" smtClean="0"/>
+              <a:t>(Post)</a:t>
+            </a:r>
+            <a:r>
+              <a:rPr lang="ko-KR" altLang="en-US" dirty="0" smtClean="0"/>
+              <a:t> 위쪽에 위치</a:t>
             </a:r>
             <a:endParaRPr lang="en-US" altLang="ko-KR" dirty="0" smtClean="0"/>
           </a:p>
@@ -4886,7 +4906,7 @@
       </p:sp>
       <p:pic>
         <p:nvPicPr>
-          <p:cNvPr id="3" name="그림 2"/>
+          <p:cNvPr id="9" name="그림 8"/>
           <p:cNvPicPr>
             <a:picLocks noChangeAspect="1"/>
           </p:cNvPicPr>
@@ -4906,8 +4926,8 @@
         </p:blipFill>
         <p:spPr>
           <a:xfrm>
-            <a:off x="1208583" y="1844824"/>
-            <a:ext cx="8036529" cy="4176464"/>
+            <a:off x="1352600" y="1850229"/>
+            <a:ext cx="7429118" cy="4785670"/>
           </a:xfrm>
           <a:prstGeom prst="rect">
             <a:avLst/>
@@ -5088,7 +5108,7 @@
         <p:spPr>
           <a:xfrm>
             <a:off x="488504" y="1884339"/>
-            <a:ext cx="9312448" cy="3147333"/>
+            <a:ext cx="9312448" cy="3416869"/>
           </a:xfrm>
           <a:prstGeom prst="rect">
             <a:avLst/>
@@ -5162,13 +5182,12 @@
             </a:r>
             <a:r>
               <a:rPr lang="ko-KR" altLang="en-US" dirty="0" smtClean="0"/>
-              <a:t>카테고리 </a:t>
-            </a:r>
-            <a:r>
-              <a:rPr lang="en-US" altLang="ko-KR" dirty="0" smtClean="0"/>
-              <a:t>URL</a:t>
-            </a:r>
-            <a:endParaRPr lang="ko-KR" altLang="en-US" dirty="0"/>
+              <a:t>카테고리 등</a:t>
+            </a:r>
+            <a:r>
+              <a:rPr lang="ko-KR" altLang="en-US" dirty="0"/>
+              <a:t>록</a:t>
+            </a:r>
           </a:p>
         </p:txBody>
       </p:sp>
@@ -5203,7 +5222,7 @@
         </p:nvSpPr>
         <p:spPr>
           <a:xfrm>
-            <a:off x="1136576" y="1412776"/>
+            <a:off x="1136576" y="1268760"/>
             <a:ext cx="6768752" cy="507831"/>
           </a:xfrm>
           <a:prstGeom prst="rect">
@@ -5223,56 +5242,53 @@
               </a:lnSpc>
             </a:pPr>
             <a:r>
+              <a:rPr lang="en-US" altLang="ko-KR" dirty="0"/>
+              <a:t>2</a:t>
+            </a:r>
+            <a:r>
               <a:rPr lang="en-US" altLang="ko-KR" dirty="0" smtClean="0"/>
-              <a:t>2. </a:t>
+              <a:t>. </a:t>
             </a:r>
             <a:r>
               <a:rPr lang="ko-KR" altLang="en-US" dirty="0" smtClean="0"/>
-              <a:t>카테고</a:t>
-            </a:r>
-            <a:r>
-              <a:rPr lang="ko-KR" altLang="en-US" dirty="0"/>
-              <a:t>리</a:t>
-            </a:r>
-            <a:r>
-              <a:rPr lang="ko-KR" altLang="en-US" dirty="0" smtClean="0"/>
-              <a:t> </a:t>
+              <a:t>관리자 페이지에 등록 </a:t>
             </a:r>
             <a:r>
               <a:rPr lang="en-US" altLang="ko-KR" dirty="0" smtClean="0"/>
-              <a:t>URL </a:t>
-            </a:r>
-            <a:r>
-              <a:rPr lang="ko-KR" altLang="en-US" dirty="0" err="1" smtClean="0"/>
-              <a:t>매핑하기</a:t>
-            </a:r>
-            <a:r>
-              <a:rPr lang="ko-KR" altLang="en-US" dirty="0" smtClean="0"/>
-              <a:t> </a:t>
-            </a:r>
-            <a:r>
-              <a:rPr lang="en-US" altLang="ko-KR" dirty="0" smtClean="0"/>
-              <a:t>– blog/urls.py</a:t>
+              <a:t>– blog/admin.py</a:t>
             </a:r>
             <a:endParaRPr lang="en-US" altLang="ko-KR" dirty="0"/>
           </a:p>
         </p:txBody>
       </p:sp>
-      <p:sp>
-        <p:nvSpPr>
-          <p:cNvPr id="11" name="TextBox 10"/>
-          <p:cNvSpPr txBox="1"/>
+      <p:pic>
+        <p:nvPicPr>
+          <p:cNvPr id="5" name="그림 4"/>
+          <p:cNvPicPr>
+            <a:picLocks noChangeAspect="1"/>
+          </p:cNvPicPr>
           <p:nvPr/>
-        </p:nvSpPr>
+        </p:nvPicPr>
+        <p:blipFill>
+          <a:blip r:embed="rId2">
+            <a:extLst>
+              <a:ext uri="{28A0092B-C50C-407E-A947-70E740481C1C}">
+                <a14:useLocalDpi xmlns:a14="http://schemas.microsoft.com/office/drawing/2010/main" val="0"/>
+              </a:ext>
+            </a:extLst>
+          </a:blip>
+          <a:stretch>
+            <a:fillRect/>
+          </a:stretch>
+        </p:blipFill>
         <p:spPr>
           <a:xfrm>
-            <a:off x="1136576" y="2060848"/>
-            <a:ext cx="8352928" cy="1754326"/>
+            <a:off x="1324221" y="1992615"/>
+            <a:ext cx="7529212" cy="2865368"/>
           </a:xfrm>
           <a:prstGeom prst="rect">
             <a:avLst/>
           </a:prstGeom>
-          <a:noFill/>
           <a:ln>
             <a:solidFill>
               <a:schemeClr val="bg1">
@@ -5281,138 +5297,11 @@
             </a:solidFill>
           </a:ln>
         </p:spPr>
-        <p:txBody>
-          <a:bodyPr wrap="square" rtlCol="0">
-            <a:spAutoFit/>
-          </a:bodyPr>
-          <a:lstStyle/>
-          <a:p>
-            <a:pPr>
-              <a:lnSpc>
-                <a:spcPct val="150000"/>
-              </a:lnSpc>
-            </a:pPr>
-            <a:r>
-              <a:rPr lang="en-US" altLang="ko-KR" dirty="0" err="1"/>
-              <a:t>u</a:t>
-            </a:r>
-            <a:r>
-              <a:rPr lang="en-US" altLang="ko-KR" dirty="0" err="1" smtClean="0"/>
-              <a:t>rlpatterns</a:t>
-            </a:r>
-            <a:r>
-              <a:rPr lang="en-US" altLang="ko-KR" dirty="0" smtClean="0"/>
-              <a:t> = [</a:t>
-            </a:r>
-          </a:p>
-          <a:p>
-            <a:pPr>
-              <a:lnSpc>
-                <a:spcPct val="150000"/>
-              </a:lnSpc>
-            </a:pPr>
-            <a:r>
-              <a:rPr lang="en-US" altLang="ko-KR" dirty="0" smtClean="0"/>
-              <a:t>    ….</a:t>
-            </a:r>
-          </a:p>
-          <a:p>
-            <a:pPr>
-              <a:lnSpc>
-                <a:spcPct val="150000"/>
-              </a:lnSpc>
-            </a:pPr>
-            <a:r>
-              <a:rPr lang="en-US" altLang="ko-KR" dirty="0"/>
-              <a:t>   </a:t>
-            </a:r>
-            <a:r>
-              <a:rPr lang="en-US" altLang="ko-KR" dirty="0" smtClean="0">
-                <a:solidFill>
-                  <a:srgbClr val="C00000"/>
-                </a:solidFill>
-              </a:rPr>
-              <a:t>path</a:t>
-            </a:r>
-            <a:r>
-              <a:rPr lang="en-US" altLang="ko-KR" dirty="0">
-                <a:solidFill>
-                  <a:srgbClr val="C00000"/>
-                </a:solidFill>
-              </a:rPr>
-              <a:t>('category/&lt;</a:t>
-            </a:r>
-            <a:r>
-              <a:rPr lang="en-US" altLang="ko-KR" dirty="0" err="1">
-                <a:solidFill>
-                  <a:srgbClr val="C00000"/>
-                </a:solidFill>
-              </a:rPr>
-              <a:t>str:slug</a:t>
-            </a:r>
-            <a:r>
-              <a:rPr lang="en-US" altLang="ko-KR" dirty="0">
-                <a:solidFill>
-                  <a:srgbClr val="C00000"/>
-                </a:solidFill>
-              </a:rPr>
-              <a:t>&gt;/', </a:t>
-            </a:r>
-            <a:r>
-              <a:rPr lang="en-US" altLang="ko-KR" dirty="0" err="1">
-                <a:solidFill>
-                  <a:srgbClr val="C00000"/>
-                </a:solidFill>
-              </a:rPr>
-              <a:t>views.category_page</a:t>
-            </a:r>
-            <a:r>
-              <a:rPr lang="en-US" altLang="ko-KR" dirty="0">
-                <a:solidFill>
-                  <a:srgbClr val="C00000"/>
-                </a:solidFill>
-              </a:rPr>
-              <a:t>, name='</a:t>
-            </a:r>
-            <a:r>
-              <a:rPr lang="en-US" altLang="ko-KR" dirty="0" err="1">
-                <a:solidFill>
-                  <a:srgbClr val="C00000"/>
-                </a:solidFill>
-              </a:rPr>
-              <a:t>category_page</a:t>
-            </a:r>
-            <a:r>
-              <a:rPr lang="en-US" altLang="ko-KR" dirty="0">
-                <a:solidFill>
-                  <a:srgbClr val="C00000"/>
-                </a:solidFill>
-              </a:rPr>
-              <a:t>'),</a:t>
-            </a:r>
-            <a:endParaRPr lang="en-US" altLang="ko-KR" dirty="0" smtClean="0">
-              <a:solidFill>
-                <a:srgbClr val="C00000"/>
-              </a:solidFill>
-            </a:endParaRPr>
-          </a:p>
-          <a:p>
-            <a:pPr>
-              <a:lnSpc>
-                <a:spcPct val="150000"/>
-              </a:lnSpc>
-            </a:pPr>
-            <a:r>
-              <a:rPr lang="en-US" altLang="ko-KR" dirty="0" smtClean="0"/>
-              <a:t>]</a:t>
-            </a:r>
-          </a:p>
-        </p:txBody>
-      </p:sp>
+      </p:pic>
     </p:spTree>
     <p:extLst>
       <p:ext uri="{BB962C8B-B14F-4D97-AF65-F5344CB8AC3E}">
-        <p14:creationId xmlns:p14="http://schemas.microsoft.com/office/powerpoint/2010/main" val="2409812879"/>
+        <p14:creationId xmlns:p14="http://schemas.microsoft.com/office/powerpoint/2010/main" val="2137520975"/>
       </p:ext>
     </p:extLst>
   </p:cSld>
@@ -5469,11 +5358,15 @@
             </a:r>
             <a:r>
               <a:rPr lang="ko-KR" altLang="en-US" dirty="0" smtClean="0"/>
-              <a:t>카테고리 </a:t>
+              <a:t>카테고리 등록 </a:t>
             </a:r>
             <a:r>
               <a:rPr lang="en-US" altLang="ko-KR" dirty="0" smtClean="0"/>
-              <a:t>view</a:t>
+              <a:t>– </a:t>
+            </a:r>
+            <a:r>
+              <a:rPr lang="ko-KR" altLang="en-US" dirty="0" smtClean="0"/>
+              <a:t>관리자 페이지</a:t>
             </a:r>
             <a:endParaRPr lang="ko-KR" altLang="en-US" dirty="0"/>
           </a:p>
@@ -5535,19 +5428,7 @@
             </a:r>
             <a:r>
               <a:rPr lang="ko-KR" altLang="en-US" dirty="0" smtClean="0"/>
-              <a:t>카테고리 </a:t>
-            </a:r>
-            <a:r>
-              <a:rPr lang="en-US" altLang="ko-KR" dirty="0" smtClean="0"/>
-              <a:t>view</a:t>
-            </a:r>
-            <a:r>
-              <a:rPr lang="ko-KR" altLang="en-US" dirty="0" smtClean="0"/>
-              <a:t> </a:t>
-            </a:r>
-            <a:r>
-              <a:rPr lang="en-US" altLang="ko-KR" dirty="0" smtClean="0"/>
-              <a:t>– blog/views.py</a:t>
+              <a:t>관리자 페이지에 카테고리 추가</a:t>
             </a:r>
             <a:endParaRPr lang="en-US" altLang="ko-KR" dirty="0"/>
           </a:p>
@@ -5555,7 +5436,7 @@
       </p:sp>
       <p:pic>
         <p:nvPicPr>
-          <p:cNvPr id="3" name="그림 2"/>
+          <p:cNvPr id="5" name="그림 4"/>
           <p:cNvPicPr>
             <a:picLocks noChangeAspect="1"/>
           </p:cNvPicPr>
@@ -5575,8 +5456,8 @@
         </p:blipFill>
         <p:spPr>
           <a:xfrm>
-            <a:off x="1486157" y="1844824"/>
-            <a:ext cx="6470673" cy="3456384"/>
+            <a:off x="1475407" y="2132856"/>
+            <a:ext cx="7365721" cy="2520280"/>
           </a:xfrm>
           <a:prstGeom prst="rect">
             <a:avLst/>
@@ -5593,7 +5474,7 @@
     </p:spTree>
     <p:extLst>
       <p:ext uri="{BB962C8B-B14F-4D97-AF65-F5344CB8AC3E}">
-        <p14:creationId xmlns:p14="http://schemas.microsoft.com/office/powerpoint/2010/main" val="2170475739"/>
+        <p14:creationId xmlns:p14="http://schemas.microsoft.com/office/powerpoint/2010/main" val="4153608302"/>
       </p:ext>
     </p:extLst>
   </p:cSld>
@@ -5712,7 +5593,7 @@
             </a:pPr>
             <a:r>
               <a:rPr lang="en-US" altLang="ko-KR" dirty="0" smtClean="0"/>
-              <a:t>3. </a:t>
+              <a:t>4. </a:t>
             </a:r>
             <a:r>
               <a:rPr lang="ko-KR" altLang="en-US" dirty="0" smtClean="0"/>
@@ -5740,7 +5621,7 @@
       </p:sp>
       <p:pic>
         <p:nvPicPr>
-          <p:cNvPr id="5" name="그림 4"/>
+          <p:cNvPr id="3" name="그림 2"/>
           <p:cNvPicPr>
             <a:picLocks noChangeAspect="1"/>
           </p:cNvPicPr>
@@ -5760,45 +5641,8 @@
         </p:blipFill>
         <p:spPr>
           <a:xfrm>
-            <a:off x="1496616" y="1844824"/>
-            <a:ext cx="7133503" cy="2106082"/>
-          </a:xfrm>
-          <a:prstGeom prst="rect">
-            <a:avLst/>
-          </a:prstGeom>
-          <a:ln>
-            <a:solidFill>
-              <a:schemeClr val="bg1">
-                <a:lumMod val="85000"/>
-              </a:schemeClr>
-            </a:solidFill>
-          </a:ln>
-        </p:spPr>
-      </p:pic>
-      <p:pic>
-        <p:nvPicPr>
-          <p:cNvPr id="7" name="그림 6"/>
-          <p:cNvPicPr>
-            <a:picLocks noChangeAspect="1"/>
-          </p:cNvPicPr>
-          <p:nvPr/>
-        </p:nvPicPr>
-        <p:blipFill>
-          <a:blip r:embed="rId3">
-            <a:extLst>
-              <a:ext uri="{28A0092B-C50C-407E-A947-70E740481C1C}">
-                <a14:useLocalDpi xmlns:a14="http://schemas.microsoft.com/office/drawing/2010/main" val="0"/>
-              </a:ext>
-            </a:extLst>
-          </a:blip>
-          <a:stretch>
-            <a:fillRect/>
-          </a:stretch>
-        </p:blipFill>
-        <p:spPr>
-          <a:xfrm>
-            <a:off x="1496616" y="4221088"/>
-            <a:ext cx="7133503" cy="2087434"/>
+            <a:off x="1424608" y="1916832"/>
+            <a:ext cx="7102455" cy="4153260"/>
           </a:xfrm>
           <a:prstGeom prst="rect">
             <a:avLst/>
@@ -5871,10 +5715,17 @@
               <a:t> </a:t>
             </a:r>
             <a:r>
-              <a:rPr lang="ko-KR" altLang="en-US" dirty="0" smtClean="0"/>
-              <a:t>카테고리 필드 폼에 추가하기</a:t>
-            </a:r>
-            <a:endParaRPr lang="ko-KR" altLang="en-US" dirty="0"/>
+              <a:rPr lang="ko-KR" altLang="en-US" dirty="0"/>
+              <a:t>템플릿 </a:t>
+            </a:r>
+            <a:r>
+              <a:rPr lang="en-US" altLang="ko-KR" dirty="0"/>
+              <a:t>– </a:t>
+            </a:r>
+            <a:r>
+              <a:rPr lang="ko-KR" altLang="en-US" dirty="0"/>
+              <a:t>카테고리 작성</a:t>
+            </a:r>
           </a:p>
         </p:txBody>
       </p:sp>
@@ -5929,24 +5780,16 @@
               </a:lnSpc>
             </a:pPr>
             <a:r>
-              <a:rPr lang="en-US" altLang="ko-KR" dirty="0"/>
-              <a:t>4</a:t>
-            </a:r>
-            <a:r>
               <a:rPr lang="en-US" altLang="ko-KR" dirty="0" smtClean="0"/>
-              <a:t>. </a:t>
-            </a:r>
-            <a:r>
-              <a:rPr lang="en-US" altLang="ko-KR" dirty="0" err="1" smtClean="0"/>
-              <a:t>PostForm</a:t>
+              <a:t>5. </a:t>
             </a:r>
             <a:r>
               <a:rPr lang="ko-KR" altLang="en-US" dirty="0" smtClean="0"/>
-              <a:t>에 필드 추가 </a:t>
+              <a:t>템플릿에 카테고리 작성 </a:t>
             </a:r>
             <a:r>
               <a:rPr lang="en-US" altLang="ko-KR" dirty="0" smtClean="0"/>
-              <a:t>- category</a:t>
+              <a:t>– post_list.html, post_detail.html</a:t>
             </a:r>
             <a:endParaRPr lang="en-US" altLang="ko-KR" dirty="0"/>
           </a:p>
@@ -5954,7 +5797,7 @@
       </p:sp>
       <p:pic>
         <p:nvPicPr>
-          <p:cNvPr id="3" name="그림 2"/>
+          <p:cNvPr id="8" name="그림 7"/>
           <p:cNvPicPr>
             <a:picLocks noChangeAspect="1"/>
           </p:cNvPicPr>
@@ -5974,8 +5817,8 @@
         </p:blipFill>
         <p:spPr>
           <a:xfrm>
-            <a:off x="1496616" y="1899783"/>
-            <a:ext cx="6565199" cy="3286617"/>
+            <a:off x="1496616" y="1783488"/>
+            <a:ext cx="6426516" cy="4885872"/>
           </a:xfrm>
           <a:prstGeom prst="rect">
             <a:avLst/>
@@ -5992,7 +5835,7 @@
     </p:spTree>
     <p:extLst>
       <p:ext uri="{BB962C8B-B14F-4D97-AF65-F5344CB8AC3E}">
-        <p14:creationId xmlns:p14="http://schemas.microsoft.com/office/powerpoint/2010/main" val="1887664142"/>
+        <p14:creationId xmlns:p14="http://schemas.microsoft.com/office/powerpoint/2010/main" val="2861421080"/>
       </p:ext>
     </p:extLst>
   </p:cSld>
@@ -6048,17 +5891,10 @@
               <a:t> </a:t>
             </a:r>
             <a:r>
-              <a:rPr lang="ko-KR" altLang="en-US" dirty="0"/>
-              <a:t>템플릿 </a:t>
-            </a:r>
-            <a:r>
-              <a:rPr lang="en-US" altLang="ko-KR" dirty="0"/>
-              <a:t>– </a:t>
-            </a:r>
-            <a:r>
-              <a:rPr lang="ko-KR" altLang="en-US" dirty="0"/>
-              <a:t>카테고리 작성</a:t>
-            </a:r>
+              <a:rPr lang="en-US" altLang="ko-KR" dirty="0" smtClean="0"/>
+              <a:t>style.css</a:t>
+            </a:r>
+            <a:endParaRPr lang="ko-KR" altLang="en-US" dirty="0"/>
           </a:p>
         </p:txBody>
       </p:sp>
@@ -6087,14 +5923,14 @@
       </p:sp>
       <p:sp>
         <p:nvSpPr>
-          <p:cNvPr id="6" name="TextBox 5"/>
+          <p:cNvPr id="7" name="TextBox 6"/>
           <p:cNvSpPr txBox="1"/>
           <p:nvPr/>
         </p:nvSpPr>
         <p:spPr>
           <a:xfrm>
-            <a:off x="1136576" y="1268760"/>
-            <a:ext cx="6768752" cy="507831"/>
+            <a:off x="1496616" y="1412776"/>
+            <a:ext cx="1152128" cy="369332"/>
           </a:xfrm>
           <a:prstGeom prst="rect">
             <a:avLst/>
@@ -6107,30 +5943,33 @@
           </a:bodyPr>
           <a:lstStyle/>
           <a:p>
-            <a:pPr>
-              <a:lnSpc>
-                <a:spcPct val="150000"/>
-              </a:lnSpc>
-            </a:pPr>
-            <a:r>
-              <a:rPr lang="en-US" altLang="ko-KR" dirty="0" smtClean="0"/>
-              <a:t>5. </a:t>
-            </a:r>
-            <a:r>
-              <a:rPr lang="ko-KR" altLang="en-US" dirty="0" smtClean="0"/>
-              <a:t>템플릿에 카테고리 작성 </a:t>
-            </a:r>
-            <a:r>
-              <a:rPr lang="en-US" altLang="ko-KR" dirty="0" smtClean="0"/>
-              <a:t>– post_list.html, post_detail.html</a:t>
-            </a:r>
-            <a:endParaRPr lang="en-US" altLang="ko-KR" dirty="0"/>
+            <a:r>
+              <a:rPr lang="en-US" altLang="ko-KR" dirty="0">
+                <a:solidFill>
+                  <a:srgbClr val="0070C0"/>
+                </a:solidFill>
+              </a:rPr>
+              <a:t>s</a:t>
+            </a:r>
+            <a:r>
+              <a:rPr lang="en-US" altLang="ko-KR" dirty="0" smtClean="0">
+                <a:solidFill>
+                  <a:srgbClr val="0070C0"/>
+                </a:solidFill>
+              </a:rPr>
+              <a:t>tyle.css</a:t>
+            </a:r>
+            <a:endParaRPr lang="ko-KR" altLang="en-US" dirty="0">
+              <a:solidFill>
+                <a:srgbClr val="0070C0"/>
+              </a:solidFill>
+            </a:endParaRPr>
           </a:p>
         </p:txBody>
       </p:sp>
       <p:pic>
         <p:nvPicPr>
-          <p:cNvPr id="3" name="그림 2"/>
+          <p:cNvPr id="6" name="그림 5"/>
           <p:cNvPicPr>
             <a:picLocks noChangeAspect="1"/>
           </p:cNvPicPr>
@@ -6150,8 +5989,8 @@
         </p:blipFill>
         <p:spPr>
           <a:xfrm>
-            <a:off x="1465039" y="1822512"/>
-            <a:ext cx="6861517" cy="4270784"/>
+            <a:off x="1496616" y="1988840"/>
+            <a:ext cx="6378493" cy="3055885"/>
           </a:xfrm>
           <a:prstGeom prst="rect">
             <a:avLst/>
@@ -6168,7 +6007,7 @@
     </p:spTree>
     <p:extLst>
       <p:ext uri="{BB962C8B-B14F-4D97-AF65-F5344CB8AC3E}">
-        <p14:creationId xmlns:p14="http://schemas.microsoft.com/office/powerpoint/2010/main" val="2861421080"/>
+        <p14:creationId xmlns:p14="http://schemas.microsoft.com/office/powerpoint/2010/main" val="2709457567"/>
       </p:ext>
     </p:extLst>
   </p:cSld>
@@ -6363,7 +6202,15 @@
             </a:r>
             <a:r>
               <a:rPr lang="ko-KR" altLang="en-US" dirty="0" smtClean="0"/>
-              <a:t>템플릿 </a:t>
+              <a:t>포스</a:t>
+            </a:r>
+            <a:r>
+              <a:rPr lang="ko-KR" altLang="en-US" dirty="0"/>
+              <a:t>트</a:t>
+            </a:r>
+            <a:r>
+              <a:rPr lang="ko-KR" altLang="en-US" dirty="0" smtClean="0"/>
+              <a:t> 등록 </a:t>
             </a:r>
             <a:r>
               <a:rPr lang="en-US" altLang="ko-KR" dirty="0" smtClean="0"/>
@@ -6371,7 +6218,7 @@
             </a:r>
             <a:r>
               <a:rPr lang="ko-KR" altLang="en-US" dirty="0" smtClean="0"/>
-              <a:t>카테고리 작성</a:t>
+              <a:t>관리자 페이지</a:t>
             </a:r>
             <a:endParaRPr lang="ko-KR" altLang="en-US" dirty="0"/>
           </a:p>
@@ -6408,8 +6255,8 @@
         </p:nvSpPr>
         <p:spPr>
           <a:xfrm>
-            <a:off x="1136576" y="1196752"/>
-            <a:ext cx="6768752" cy="454292"/>
+            <a:off x="1136576" y="1268760"/>
+            <a:ext cx="6768752" cy="507831"/>
           </a:xfrm>
           <a:prstGeom prst="rect">
             <a:avLst/>
@@ -6429,7 +6276,1033 @@
             </a:pPr>
             <a:r>
               <a:rPr lang="en-US" altLang="ko-KR" dirty="0" smtClean="0"/>
-              <a:t>5. </a:t>
+              <a:t>6. </a:t>
+            </a:r>
+            <a:r>
+              <a:rPr lang="ko-KR" altLang="en-US" dirty="0" smtClean="0"/>
+              <a:t>관리자 페이지에 포스트 등록 </a:t>
+            </a:r>
+            <a:r>
+              <a:rPr lang="en-US" altLang="ko-KR" dirty="0" smtClean="0"/>
+              <a:t>– </a:t>
+            </a:r>
+            <a:r>
+              <a:rPr lang="ko-KR" altLang="en-US" dirty="0" smtClean="0"/>
+              <a:t>카테고리 선택</a:t>
+            </a:r>
+            <a:endParaRPr lang="en-US" altLang="ko-KR" dirty="0"/>
+          </a:p>
+        </p:txBody>
+      </p:sp>
+      <p:pic>
+        <p:nvPicPr>
+          <p:cNvPr id="3" name="그림 2"/>
+          <p:cNvPicPr>
+            <a:picLocks noChangeAspect="1"/>
+          </p:cNvPicPr>
+          <p:nvPr/>
+        </p:nvPicPr>
+        <p:blipFill>
+          <a:blip r:embed="rId2">
+            <a:extLst>
+              <a:ext uri="{28A0092B-C50C-407E-A947-70E740481C1C}">
+                <a14:useLocalDpi xmlns:a14="http://schemas.microsoft.com/office/drawing/2010/main" val="0"/>
+              </a:ext>
+            </a:extLst>
+          </a:blip>
+          <a:stretch>
+            <a:fillRect/>
+          </a:stretch>
+        </p:blipFill>
+        <p:spPr>
+          <a:xfrm>
+            <a:off x="1424607" y="1844824"/>
+            <a:ext cx="5645427" cy="4464496"/>
+          </a:xfrm>
+          <a:prstGeom prst="rect">
+            <a:avLst/>
+          </a:prstGeom>
+          <a:ln>
+            <a:solidFill>
+              <a:schemeClr val="bg1">
+                <a:lumMod val="85000"/>
+              </a:schemeClr>
+            </a:solidFill>
+          </a:ln>
+        </p:spPr>
+      </p:pic>
+    </p:spTree>
+    <p:extLst>
+      <p:ext uri="{BB962C8B-B14F-4D97-AF65-F5344CB8AC3E}">
+        <p14:creationId xmlns:p14="http://schemas.microsoft.com/office/powerpoint/2010/main" val="3235363415"/>
+      </p:ext>
+    </p:extLst>
+  </p:cSld>
+  <p:clrMapOvr>
+    <a:masterClrMapping/>
+  </p:clrMapOvr>
+  <p:timing>
+    <p:tnLst>
+      <p:par>
+        <p:cTn id="1" dur="indefinite" restart="never" nodeType="tmRoot"/>
+      </p:par>
+    </p:tnLst>
+  </p:timing>
+</p:sld>
+</file>
+
+<file path=ppt/slides/slide21.xml><?xml version="1.0" encoding="utf-8"?>
+<p:sld xmlns:a="http://schemas.openxmlformats.org/drawingml/2006/main" xmlns:r="http://schemas.openxmlformats.org/officeDocument/2006/relationships" xmlns:p="http://schemas.openxmlformats.org/presentationml/2006/main">
+  <p:cSld>
+    <p:spTree>
+      <p:nvGrpSpPr>
+        <p:cNvPr id="1" name=""/>
+        <p:cNvGrpSpPr/>
+        <p:nvPr/>
+      </p:nvGrpSpPr>
+      <p:grpSpPr>
+        <a:xfrm>
+          <a:off x="0" y="0"/>
+          <a:ext cx="0" cy="0"/>
+          <a:chOff x="0" y="0"/>
+          <a:chExt cx="0" cy="0"/>
+        </a:xfrm>
+      </p:grpSpPr>
+      <p:sp>
+        <p:nvSpPr>
+          <p:cNvPr id="2" name="제목 1"/>
+          <p:cNvSpPr>
+            <a:spLocks noGrp="1"/>
+          </p:cNvSpPr>
+          <p:nvPr>
+            <p:ph type="title"/>
+          </p:nvPr>
+        </p:nvSpPr>
+        <p:spPr/>
+        <p:txBody>
+          <a:bodyPr>
+            <a:normAutofit/>
+          </a:bodyPr>
+          <a:lstStyle/>
+          <a:p>
+            <a:r>
+              <a:rPr lang="en-US" altLang="ko-KR" dirty="0"/>
+              <a:t> </a:t>
+            </a:r>
+            <a:r>
+              <a:rPr lang="ko-KR" altLang="en-US" dirty="0" smtClean="0"/>
+              <a:t>카테고리 </a:t>
+            </a:r>
+            <a:r>
+              <a:rPr lang="en-US" altLang="ko-KR" dirty="0" smtClean="0"/>
+              <a:t>URL</a:t>
+            </a:r>
+            <a:endParaRPr lang="ko-KR" altLang="en-US" dirty="0"/>
+          </a:p>
+        </p:txBody>
+      </p:sp>
+      <p:sp>
+        <p:nvSpPr>
+          <p:cNvPr id="4" name="슬라이드 번호 개체 틀 3"/>
+          <p:cNvSpPr>
+            <a:spLocks noGrp="1"/>
+          </p:cNvSpPr>
+          <p:nvPr>
+            <p:ph type="sldNum" sz="quarter" idx="12"/>
+          </p:nvPr>
+        </p:nvSpPr>
+        <p:spPr/>
+        <p:txBody>
+          <a:bodyPr/>
+          <a:lstStyle/>
+          <a:p>
+            <a:fld id="{1BDE3FE7-3AEA-4B05-AC5A-802D1816ACF0}" type="slidenum">
+              <a:rPr lang="ko-KR" altLang="en-US" smtClean="0"/>
+              <a:t>21</a:t>
+            </a:fld>
+            <a:endParaRPr lang="ko-KR" altLang="en-US" dirty="0"/>
+          </a:p>
+        </p:txBody>
+      </p:sp>
+      <p:sp>
+        <p:nvSpPr>
+          <p:cNvPr id="6" name="TextBox 5"/>
+          <p:cNvSpPr txBox="1"/>
+          <p:nvPr/>
+        </p:nvSpPr>
+        <p:spPr>
+          <a:xfrm>
+            <a:off x="1136576" y="1412776"/>
+            <a:ext cx="6768752" cy="507831"/>
+          </a:xfrm>
+          <a:prstGeom prst="rect">
+            <a:avLst/>
+          </a:prstGeom>
+          <a:noFill/>
+        </p:spPr>
+        <p:txBody>
+          <a:bodyPr wrap="square" rtlCol="0">
+            <a:spAutoFit/>
+          </a:bodyPr>
+          <a:lstStyle/>
+          <a:p>
+            <a:pPr>
+              <a:lnSpc>
+                <a:spcPct val="150000"/>
+              </a:lnSpc>
+            </a:pPr>
+            <a:r>
+              <a:rPr lang="en-US" altLang="ko-KR" dirty="0"/>
+              <a:t>7</a:t>
+            </a:r>
+            <a:r>
+              <a:rPr lang="en-US" altLang="ko-KR" dirty="0" smtClean="0"/>
+              <a:t>. </a:t>
+            </a:r>
+            <a:r>
+              <a:rPr lang="ko-KR" altLang="en-US" dirty="0" smtClean="0"/>
+              <a:t>카테고</a:t>
+            </a:r>
+            <a:r>
+              <a:rPr lang="ko-KR" altLang="en-US" dirty="0"/>
+              <a:t>리</a:t>
+            </a:r>
+            <a:r>
+              <a:rPr lang="ko-KR" altLang="en-US" dirty="0" smtClean="0"/>
+              <a:t> </a:t>
+            </a:r>
+            <a:r>
+              <a:rPr lang="en-US" altLang="ko-KR" dirty="0" smtClean="0"/>
+              <a:t>URL </a:t>
+            </a:r>
+            <a:r>
+              <a:rPr lang="ko-KR" altLang="en-US" dirty="0" err="1" smtClean="0"/>
+              <a:t>매핑하기</a:t>
+            </a:r>
+            <a:r>
+              <a:rPr lang="ko-KR" altLang="en-US" dirty="0" smtClean="0"/>
+              <a:t> </a:t>
+            </a:r>
+            <a:r>
+              <a:rPr lang="en-US" altLang="ko-KR" dirty="0" smtClean="0"/>
+              <a:t>– blog/urls.py</a:t>
+            </a:r>
+            <a:endParaRPr lang="en-US" altLang="ko-KR" dirty="0"/>
+          </a:p>
+        </p:txBody>
+      </p:sp>
+      <p:sp>
+        <p:nvSpPr>
+          <p:cNvPr id="11" name="TextBox 10"/>
+          <p:cNvSpPr txBox="1"/>
+          <p:nvPr/>
+        </p:nvSpPr>
+        <p:spPr>
+          <a:xfrm>
+            <a:off x="1136576" y="2060848"/>
+            <a:ext cx="8352928" cy="1754326"/>
+          </a:xfrm>
+          <a:prstGeom prst="rect">
+            <a:avLst/>
+          </a:prstGeom>
+          <a:noFill/>
+          <a:ln>
+            <a:solidFill>
+              <a:schemeClr val="bg1">
+                <a:lumMod val="85000"/>
+              </a:schemeClr>
+            </a:solidFill>
+          </a:ln>
+        </p:spPr>
+        <p:txBody>
+          <a:bodyPr wrap="square" rtlCol="0">
+            <a:spAutoFit/>
+          </a:bodyPr>
+          <a:lstStyle/>
+          <a:p>
+            <a:pPr>
+              <a:lnSpc>
+                <a:spcPct val="150000"/>
+              </a:lnSpc>
+            </a:pPr>
+            <a:r>
+              <a:rPr lang="en-US" altLang="ko-KR" dirty="0" err="1"/>
+              <a:t>u</a:t>
+            </a:r>
+            <a:r>
+              <a:rPr lang="en-US" altLang="ko-KR" dirty="0" err="1" smtClean="0"/>
+              <a:t>rlpatterns</a:t>
+            </a:r>
+            <a:r>
+              <a:rPr lang="en-US" altLang="ko-KR" dirty="0" smtClean="0"/>
+              <a:t> = [</a:t>
+            </a:r>
+          </a:p>
+          <a:p>
+            <a:pPr>
+              <a:lnSpc>
+                <a:spcPct val="150000"/>
+              </a:lnSpc>
+            </a:pPr>
+            <a:r>
+              <a:rPr lang="en-US" altLang="ko-KR" dirty="0" smtClean="0"/>
+              <a:t>    ….</a:t>
+            </a:r>
+          </a:p>
+          <a:p>
+            <a:pPr>
+              <a:lnSpc>
+                <a:spcPct val="150000"/>
+              </a:lnSpc>
+            </a:pPr>
+            <a:r>
+              <a:rPr lang="en-US" altLang="ko-KR" dirty="0"/>
+              <a:t>   </a:t>
+            </a:r>
+            <a:r>
+              <a:rPr lang="en-US" altLang="ko-KR" dirty="0" smtClean="0">
+                <a:solidFill>
+                  <a:srgbClr val="C00000"/>
+                </a:solidFill>
+              </a:rPr>
+              <a:t>path</a:t>
+            </a:r>
+            <a:r>
+              <a:rPr lang="en-US" altLang="ko-KR" dirty="0">
+                <a:solidFill>
+                  <a:srgbClr val="C00000"/>
+                </a:solidFill>
+              </a:rPr>
+              <a:t>('category/&lt;</a:t>
+            </a:r>
+            <a:r>
+              <a:rPr lang="en-US" altLang="ko-KR" dirty="0" err="1">
+                <a:solidFill>
+                  <a:srgbClr val="C00000"/>
+                </a:solidFill>
+              </a:rPr>
+              <a:t>str:slug</a:t>
+            </a:r>
+            <a:r>
+              <a:rPr lang="en-US" altLang="ko-KR" dirty="0">
+                <a:solidFill>
+                  <a:srgbClr val="C00000"/>
+                </a:solidFill>
+              </a:rPr>
+              <a:t>&gt;/', </a:t>
+            </a:r>
+            <a:r>
+              <a:rPr lang="en-US" altLang="ko-KR" dirty="0" err="1">
+                <a:solidFill>
+                  <a:srgbClr val="C00000"/>
+                </a:solidFill>
+              </a:rPr>
+              <a:t>views.category_page</a:t>
+            </a:r>
+            <a:r>
+              <a:rPr lang="en-US" altLang="ko-KR" dirty="0">
+                <a:solidFill>
+                  <a:srgbClr val="C00000"/>
+                </a:solidFill>
+              </a:rPr>
+              <a:t>, name='</a:t>
+            </a:r>
+            <a:r>
+              <a:rPr lang="en-US" altLang="ko-KR" dirty="0" err="1">
+                <a:solidFill>
+                  <a:srgbClr val="C00000"/>
+                </a:solidFill>
+              </a:rPr>
+              <a:t>category_page</a:t>
+            </a:r>
+            <a:r>
+              <a:rPr lang="en-US" altLang="ko-KR" dirty="0">
+                <a:solidFill>
+                  <a:srgbClr val="C00000"/>
+                </a:solidFill>
+              </a:rPr>
+              <a:t>'),</a:t>
+            </a:r>
+            <a:endParaRPr lang="en-US" altLang="ko-KR" dirty="0" smtClean="0">
+              <a:solidFill>
+                <a:srgbClr val="C00000"/>
+              </a:solidFill>
+            </a:endParaRPr>
+          </a:p>
+          <a:p>
+            <a:pPr>
+              <a:lnSpc>
+                <a:spcPct val="150000"/>
+              </a:lnSpc>
+            </a:pPr>
+            <a:r>
+              <a:rPr lang="en-US" altLang="ko-KR" dirty="0" smtClean="0"/>
+              <a:t>]</a:t>
+            </a:r>
+          </a:p>
+        </p:txBody>
+      </p:sp>
+    </p:spTree>
+    <p:extLst>
+      <p:ext uri="{BB962C8B-B14F-4D97-AF65-F5344CB8AC3E}">
+        <p14:creationId xmlns:p14="http://schemas.microsoft.com/office/powerpoint/2010/main" val="2409812879"/>
+      </p:ext>
+    </p:extLst>
+  </p:cSld>
+  <p:clrMapOvr>
+    <a:masterClrMapping/>
+  </p:clrMapOvr>
+  <p:timing>
+    <p:tnLst>
+      <p:par>
+        <p:cTn id="1" dur="indefinite" restart="never" nodeType="tmRoot"/>
+      </p:par>
+    </p:tnLst>
+  </p:timing>
+</p:sld>
+</file>
+
+<file path=ppt/slides/slide22.xml><?xml version="1.0" encoding="utf-8"?>
+<p:sld xmlns:a="http://schemas.openxmlformats.org/drawingml/2006/main" xmlns:r="http://schemas.openxmlformats.org/officeDocument/2006/relationships" xmlns:p="http://schemas.openxmlformats.org/presentationml/2006/main">
+  <p:cSld>
+    <p:spTree>
+      <p:nvGrpSpPr>
+        <p:cNvPr id="1" name=""/>
+        <p:cNvGrpSpPr/>
+        <p:nvPr/>
+      </p:nvGrpSpPr>
+      <p:grpSpPr>
+        <a:xfrm>
+          <a:off x="0" y="0"/>
+          <a:ext cx="0" cy="0"/>
+          <a:chOff x="0" y="0"/>
+          <a:chExt cx="0" cy="0"/>
+        </a:xfrm>
+      </p:grpSpPr>
+      <p:sp>
+        <p:nvSpPr>
+          <p:cNvPr id="2" name="제목 1"/>
+          <p:cNvSpPr>
+            <a:spLocks noGrp="1"/>
+          </p:cNvSpPr>
+          <p:nvPr>
+            <p:ph type="title"/>
+          </p:nvPr>
+        </p:nvSpPr>
+        <p:spPr/>
+        <p:txBody>
+          <a:bodyPr>
+            <a:normAutofit/>
+          </a:bodyPr>
+          <a:lstStyle/>
+          <a:p>
+            <a:r>
+              <a:rPr lang="en-US" altLang="ko-KR" dirty="0"/>
+              <a:t> </a:t>
+            </a:r>
+            <a:r>
+              <a:rPr lang="ko-KR" altLang="en-US" dirty="0" smtClean="0"/>
+              <a:t>카테고리 </a:t>
+            </a:r>
+            <a:r>
+              <a:rPr lang="en-US" altLang="ko-KR" dirty="0" smtClean="0"/>
+              <a:t>view</a:t>
+            </a:r>
+            <a:endParaRPr lang="ko-KR" altLang="en-US" dirty="0"/>
+          </a:p>
+        </p:txBody>
+      </p:sp>
+      <p:sp>
+        <p:nvSpPr>
+          <p:cNvPr id="4" name="슬라이드 번호 개체 틀 3"/>
+          <p:cNvSpPr>
+            <a:spLocks noGrp="1"/>
+          </p:cNvSpPr>
+          <p:nvPr>
+            <p:ph type="sldNum" sz="quarter" idx="12"/>
+          </p:nvPr>
+        </p:nvSpPr>
+        <p:spPr/>
+        <p:txBody>
+          <a:bodyPr/>
+          <a:lstStyle/>
+          <a:p>
+            <a:fld id="{1BDE3FE7-3AEA-4B05-AC5A-802D1816ACF0}" type="slidenum">
+              <a:rPr lang="ko-KR" altLang="en-US" smtClean="0"/>
+              <a:t>22</a:t>
+            </a:fld>
+            <a:endParaRPr lang="ko-KR" altLang="en-US" dirty="0"/>
+          </a:p>
+        </p:txBody>
+      </p:sp>
+      <p:sp>
+        <p:nvSpPr>
+          <p:cNvPr id="6" name="TextBox 5"/>
+          <p:cNvSpPr txBox="1"/>
+          <p:nvPr/>
+        </p:nvSpPr>
+        <p:spPr>
+          <a:xfrm>
+            <a:off x="1136576" y="1268760"/>
+            <a:ext cx="6768752" cy="507831"/>
+          </a:xfrm>
+          <a:prstGeom prst="rect">
+            <a:avLst/>
+          </a:prstGeom>
+          <a:noFill/>
+        </p:spPr>
+        <p:txBody>
+          <a:bodyPr wrap="square" rtlCol="0">
+            <a:spAutoFit/>
+          </a:bodyPr>
+          <a:lstStyle/>
+          <a:p>
+            <a:pPr>
+              <a:lnSpc>
+                <a:spcPct val="150000"/>
+              </a:lnSpc>
+            </a:pPr>
+            <a:r>
+              <a:rPr lang="en-US" altLang="ko-KR" dirty="0"/>
+              <a:t>8</a:t>
+            </a:r>
+            <a:r>
+              <a:rPr lang="en-US" altLang="ko-KR" dirty="0" smtClean="0"/>
+              <a:t>. </a:t>
+            </a:r>
+            <a:r>
+              <a:rPr lang="ko-KR" altLang="en-US" dirty="0" smtClean="0"/>
+              <a:t>카테고리 </a:t>
+            </a:r>
+            <a:r>
+              <a:rPr lang="en-US" altLang="ko-KR" dirty="0" smtClean="0"/>
+              <a:t>view</a:t>
+            </a:r>
+            <a:r>
+              <a:rPr lang="ko-KR" altLang="en-US" dirty="0" smtClean="0"/>
+              <a:t> </a:t>
+            </a:r>
+            <a:r>
+              <a:rPr lang="en-US" altLang="ko-KR" dirty="0" smtClean="0"/>
+              <a:t>– blog/views.py</a:t>
+            </a:r>
+            <a:endParaRPr lang="en-US" altLang="ko-KR" dirty="0"/>
+          </a:p>
+        </p:txBody>
+      </p:sp>
+      <p:pic>
+        <p:nvPicPr>
+          <p:cNvPr id="5" name="그림 4"/>
+          <p:cNvPicPr>
+            <a:picLocks noChangeAspect="1"/>
+          </p:cNvPicPr>
+          <p:nvPr/>
+        </p:nvPicPr>
+        <p:blipFill>
+          <a:blip r:embed="rId2">
+            <a:extLst>
+              <a:ext uri="{28A0092B-C50C-407E-A947-70E740481C1C}">
+                <a14:useLocalDpi xmlns:a14="http://schemas.microsoft.com/office/drawing/2010/main" val="0"/>
+              </a:ext>
+            </a:extLst>
+          </a:blip>
+          <a:stretch>
+            <a:fillRect/>
+          </a:stretch>
+        </p:blipFill>
+        <p:spPr>
+          <a:xfrm>
+            <a:off x="704528" y="1992615"/>
+            <a:ext cx="8847587" cy="3635055"/>
+          </a:xfrm>
+          <a:prstGeom prst="rect">
+            <a:avLst/>
+          </a:prstGeom>
+          <a:ln>
+            <a:solidFill>
+              <a:schemeClr val="bg1">
+                <a:lumMod val="85000"/>
+              </a:schemeClr>
+            </a:solidFill>
+          </a:ln>
+        </p:spPr>
+      </p:pic>
+    </p:spTree>
+    <p:extLst>
+      <p:ext uri="{BB962C8B-B14F-4D97-AF65-F5344CB8AC3E}">
+        <p14:creationId xmlns:p14="http://schemas.microsoft.com/office/powerpoint/2010/main" val="2170475739"/>
+      </p:ext>
+    </p:extLst>
+  </p:cSld>
+  <p:clrMapOvr>
+    <a:masterClrMapping/>
+  </p:clrMapOvr>
+  <p:timing>
+    <p:tnLst>
+      <p:par>
+        <p:cTn id="1" dur="indefinite" restart="never" nodeType="tmRoot"/>
+      </p:par>
+    </p:tnLst>
+  </p:timing>
+</p:sld>
+</file>
+
+<file path=ppt/slides/slide23.xml><?xml version="1.0" encoding="utf-8"?>
+<p:sld xmlns:a="http://schemas.openxmlformats.org/drawingml/2006/main" xmlns:r="http://schemas.openxmlformats.org/officeDocument/2006/relationships" xmlns:p="http://schemas.openxmlformats.org/presentationml/2006/main">
+  <p:cSld>
+    <p:spTree>
+      <p:nvGrpSpPr>
+        <p:cNvPr id="1" name=""/>
+        <p:cNvGrpSpPr/>
+        <p:nvPr/>
+      </p:nvGrpSpPr>
+      <p:grpSpPr>
+        <a:xfrm>
+          <a:off x="0" y="0"/>
+          <a:ext cx="0" cy="0"/>
+          <a:chOff x="0" y="0"/>
+          <a:chExt cx="0" cy="0"/>
+        </a:xfrm>
+      </p:grpSpPr>
+      <p:sp>
+        <p:nvSpPr>
+          <p:cNvPr id="2" name="제목 1"/>
+          <p:cNvSpPr>
+            <a:spLocks noGrp="1"/>
+          </p:cNvSpPr>
+          <p:nvPr>
+            <p:ph type="title"/>
+          </p:nvPr>
+        </p:nvSpPr>
+        <p:spPr/>
+        <p:txBody>
+          <a:bodyPr>
+            <a:normAutofit/>
+          </a:bodyPr>
+          <a:lstStyle/>
+          <a:p>
+            <a:r>
+              <a:rPr lang="en-US" altLang="ko-KR" dirty="0"/>
+              <a:t> </a:t>
+            </a:r>
+            <a:r>
+              <a:rPr lang="ko-KR" altLang="en-US" dirty="0" smtClean="0"/>
+              <a:t>카테고리 필드 폼에 추가하기</a:t>
+            </a:r>
+            <a:endParaRPr lang="ko-KR" altLang="en-US" dirty="0"/>
+          </a:p>
+        </p:txBody>
+      </p:sp>
+      <p:sp>
+        <p:nvSpPr>
+          <p:cNvPr id="4" name="슬라이드 번호 개체 틀 3"/>
+          <p:cNvSpPr>
+            <a:spLocks noGrp="1"/>
+          </p:cNvSpPr>
+          <p:nvPr>
+            <p:ph type="sldNum" sz="quarter" idx="12"/>
+          </p:nvPr>
+        </p:nvSpPr>
+        <p:spPr/>
+        <p:txBody>
+          <a:bodyPr/>
+          <a:lstStyle/>
+          <a:p>
+            <a:fld id="{1BDE3FE7-3AEA-4B05-AC5A-802D1816ACF0}" type="slidenum">
+              <a:rPr lang="ko-KR" altLang="en-US" smtClean="0"/>
+              <a:t>23</a:t>
+            </a:fld>
+            <a:endParaRPr lang="ko-KR" altLang="en-US" dirty="0"/>
+          </a:p>
+        </p:txBody>
+      </p:sp>
+      <p:sp>
+        <p:nvSpPr>
+          <p:cNvPr id="6" name="TextBox 5"/>
+          <p:cNvSpPr txBox="1"/>
+          <p:nvPr/>
+        </p:nvSpPr>
+        <p:spPr>
+          <a:xfrm>
+            <a:off x="1136576" y="1268760"/>
+            <a:ext cx="6768752" cy="507831"/>
+          </a:xfrm>
+          <a:prstGeom prst="rect">
+            <a:avLst/>
+          </a:prstGeom>
+          <a:noFill/>
+        </p:spPr>
+        <p:txBody>
+          <a:bodyPr wrap="square" rtlCol="0">
+            <a:spAutoFit/>
+          </a:bodyPr>
+          <a:lstStyle/>
+          <a:p>
+            <a:pPr>
+              <a:lnSpc>
+                <a:spcPct val="150000"/>
+              </a:lnSpc>
+            </a:pPr>
+            <a:r>
+              <a:rPr lang="en-US" altLang="ko-KR" dirty="0"/>
+              <a:t>9</a:t>
+            </a:r>
+            <a:r>
+              <a:rPr lang="en-US" altLang="ko-KR" dirty="0" smtClean="0"/>
+              <a:t>. </a:t>
+            </a:r>
+            <a:r>
+              <a:rPr lang="en-US" altLang="ko-KR" dirty="0" err="1" smtClean="0"/>
+              <a:t>PostForm</a:t>
+            </a:r>
+            <a:r>
+              <a:rPr lang="ko-KR" altLang="en-US" dirty="0" smtClean="0"/>
+              <a:t>에 필드 추가 </a:t>
+            </a:r>
+            <a:r>
+              <a:rPr lang="en-US" altLang="ko-KR" dirty="0" smtClean="0"/>
+              <a:t>- category</a:t>
+            </a:r>
+            <a:endParaRPr lang="en-US" altLang="ko-KR" dirty="0"/>
+          </a:p>
+        </p:txBody>
+      </p:sp>
+      <p:pic>
+        <p:nvPicPr>
+          <p:cNvPr id="3" name="그림 2"/>
+          <p:cNvPicPr>
+            <a:picLocks noChangeAspect="1"/>
+          </p:cNvPicPr>
+          <p:nvPr/>
+        </p:nvPicPr>
+        <p:blipFill>
+          <a:blip r:embed="rId2">
+            <a:extLst>
+              <a:ext uri="{28A0092B-C50C-407E-A947-70E740481C1C}">
+                <a14:useLocalDpi xmlns:a14="http://schemas.microsoft.com/office/drawing/2010/main" val="0"/>
+              </a:ext>
+            </a:extLst>
+          </a:blip>
+          <a:stretch>
+            <a:fillRect/>
+          </a:stretch>
+        </p:blipFill>
+        <p:spPr>
+          <a:xfrm>
+            <a:off x="1496616" y="1899783"/>
+            <a:ext cx="6565199" cy="3286617"/>
+          </a:xfrm>
+          <a:prstGeom prst="rect">
+            <a:avLst/>
+          </a:prstGeom>
+          <a:ln>
+            <a:solidFill>
+              <a:schemeClr val="bg1">
+                <a:lumMod val="85000"/>
+              </a:schemeClr>
+            </a:solidFill>
+          </a:ln>
+        </p:spPr>
+      </p:pic>
+    </p:spTree>
+    <p:extLst>
+      <p:ext uri="{BB962C8B-B14F-4D97-AF65-F5344CB8AC3E}">
+        <p14:creationId xmlns:p14="http://schemas.microsoft.com/office/powerpoint/2010/main" val="1887664142"/>
+      </p:ext>
+    </p:extLst>
+  </p:cSld>
+  <p:clrMapOvr>
+    <a:masterClrMapping/>
+  </p:clrMapOvr>
+  <p:timing>
+    <p:tnLst>
+      <p:par>
+        <p:cTn id="1" dur="indefinite" restart="never" nodeType="tmRoot"/>
+      </p:par>
+    </p:tnLst>
+  </p:timing>
+</p:sld>
+</file>
+
+<file path=ppt/slides/slide24.xml><?xml version="1.0" encoding="utf-8"?>
+<p:sld xmlns:a="http://schemas.openxmlformats.org/drawingml/2006/main" xmlns:r="http://schemas.openxmlformats.org/officeDocument/2006/relationships" xmlns:p="http://schemas.openxmlformats.org/presentationml/2006/main">
+  <p:cSld>
+    <p:spTree>
+      <p:nvGrpSpPr>
+        <p:cNvPr id="1" name=""/>
+        <p:cNvGrpSpPr/>
+        <p:nvPr/>
+      </p:nvGrpSpPr>
+      <p:grpSpPr>
+        <a:xfrm>
+          <a:off x="0" y="0"/>
+          <a:ext cx="0" cy="0"/>
+          <a:chOff x="0" y="0"/>
+          <a:chExt cx="0" cy="0"/>
+        </a:xfrm>
+      </p:grpSpPr>
+      <p:sp>
+        <p:nvSpPr>
+          <p:cNvPr id="2" name="제목 1"/>
+          <p:cNvSpPr>
+            <a:spLocks noGrp="1"/>
+          </p:cNvSpPr>
+          <p:nvPr>
+            <p:ph type="title"/>
+          </p:nvPr>
+        </p:nvSpPr>
+        <p:spPr/>
+        <p:txBody>
+          <a:bodyPr>
+            <a:normAutofit/>
+          </a:bodyPr>
+          <a:lstStyle/>
+          <a:p>
+            <a:r>
+              <a:rPr lang="en-US" altLang="ko-KR" dirty="0"/>
+              <a:t> </a:t>
+            </a:r>
+            <a:r>
+              <a:rPr lang="ko-KR" altLang="en-US" dirty="0" smtClean="0"/>
+              <a:t>카테고리 필드 폼에 추가하기</a:t>
+            </a:r>
+            <a:endParaRPr lang="ko-KR" altLang="en-US" dirty="0"/>
+          </a:p>
+        </p:txBody>
+      </p:sp>
+      <p:sp>
+        <p:nvSpPr>
+          <p:cNvPr id="4" name="슬라이드 번호 개체 틀 3"/>
+          <p:cNvSpPr>
+            <a:spLocks noGrp="1"/>
+          </p:cNvSpPr>
+          <p:nvPr>
+            <p:ph type="sldNum" sz="quarter" idx="12"/>
+          </p:nvPr>
+        </p:nvSpPr>
+        <p:spPr/>
+        <p:txBody>
+          <a:bodyPr/>
+          <a:lstStyle/>
+          <a:p>
+            <a:fld id="{1BDE3FE7-3AEA-4B05-AC5A-802D1816ACF0}" type="slidenum">
+              <a:rPr lang="ko-KR" altLang="en-US" smtClean="0"/>
+              <a:t>24</a:t>
+            </a:fld>
+            <a:endParaRPr lang="ko-KR" altLang="en-US" dirty="0"/>
+          </a:p>
+        </p:txBody>
+      </p:sp>
+      <p:sp>
+        <p:nvSpPr>
+          <p:cNvPr id="6" name="TextBox 5"/>
+          <p:cNvSpPr txBox="1"/>
+          <p:nvPr/>
+        </p:nvSpPr>
+        <p:spPr>
+          <a:xfrm>
+            <a:off x="1136576" y="1268760"/>
+            <a:ext cx="6768752" cy="507831"/>
+          </a:xfrm>
+          <a:prstGeom prst="rect">
+            <a:avLst/>
+          </a:prstGeom>
+          <a:noFill/>
+        </p:spPr>
+        <p:txBody>
+          <a:bodyPr wrap="square" rtlCol="0">
+            <a:spAutoFit/>
+          </a:bodyPr>
+          <a:lstStyle/>
+          <a:p>
+            <a:pPr>
+              <a:lnSpc>
+                <a:spcPct val="150000"/>
+              </a:lnSpc>
+            </a:pPr>
+            <a:r>
+              <a:rPr lang="en-US" altLang="ko-KR" dirty="0" smtClean="0"/>
+              <a:t>10. </a:t>
+            </a:r>
+            <a:r>
+              <a:rPr lang="ko-KR" altLang="en-US" dirty="0" smtClean="0"/>
+              <a:t>글쓰기 </a:t>
+            </a:r>
+            <a:r>
+              <a:rPr lang="en-US" altLang="ko-KR" dirty="0" smtClean="0"/>
+              <a:t>- category</a:t>
+            </a:r>
+            <a:endParaRPr lang="en-US" altLang="ko-KR" dirty="0"/>
+          </a:p>
+        </p:txBody>
+      </p:sp>
+      <p:pic>
+        <p:nvPicPr>
+          <p:cNvPr id="5" name="그림 4"/>
+          <p:cNvPicPr>
+            <a:picLocks noChangeAspect="1"/>
+          </p:cNvPicPr>
+          <p:nvPr/>
+        </p:nvPicPr>
+        <p:blipFill rotWithShape="1">
+          <a:blip r:embed="rId2">
+            <a:extLst>
+              <a:ext uri="{28A0092B-C50C-407E-A947-70E740481C1C}">
+                <a14:useLocalDpi xmlns:a14="http://schemas.microsoft.com/office/drawing/2010/main" val="0"/>
+              </a:ext>
+            </a:extLst>
+          </a:blip>
+          <a:srcRect t="6188"/>
+          <a:stretch/>
+        </p:blipFill>
+        <p:spPr>
+          <a:xfrm>
+            <a:off x="2288704" y="1809045"/>
+            <a:ext cx="4016304" cy="4912851"/>
+          </a:xfrm>
+          <a:prstGeom prst="rect">
+            <a:avLst/>
+          </a:prstGeom>
+          <a:ln>
+            <a:solidFill>
+              <a:schemeClr val="bg1">
+                <a:lumMod val="85000"/>
+              </a:schemeClr>
+            </a:solidFill>
+          </a:ln>
+        </p:spPr>
+      </p:pic>
+    </p:spTree>
+    <p:extLst>
+      <p:ext uri="{BB962C8B-B14F-4D97-AF65-F5344CB8AC3E}">
+        <p14:creationId xmlns:p14="http://schemas.microsoft.com/office/powerpoint/2010/main" val="4006142620"/>
+      </p:ext>
+    </p:extLst>
+  </p:cSld>
+  <p:clrMapOvr>
+    <a:masterClrMapping/>
+  </p:clrMapOvr>
+  <p:timing>
+    <p:tnLst>
+      <p:par>
+        <p:cTn id="1" dur="indefinite" restart="never" nodeType="tmRoot"/>
+      </p:par>
+    </p:tnLst>
+  </p:timing>
+</p:sld>
+</file>
+
+<file path=ppt/slides/slide25.xml><?xml version="1.0" encoding="utf-8"?>
+<p:sld xmlns:a="http://schemas.openxmlformats.org/drawingml/2006/main" xmlns:r="http://schemas.openxmlformats.org/officeDocument/2006/relationships" xmlns:p="http://schemas.openxmlformats.org/presentationml/2006/main">
+  <p:cSld>
+    <p:spTree>
+      <p:nvGrpSpPr>
+        <p:cNvPr id="1" name=""/>
+        <p:cNvGrpSpPr/>
+        <p:nvPr/>
+      </p:nvGrpSpPr>
+      <p:grpSpPr>
+        <a:xfrm>
+          <a:off x="0" y="0"/>
+          <a:ext cx="0" cy="0"/>
+          <a:chOff x="0" y="0"/>
+          <a:chExt cx="0" cy="0"/>
+        </a:xfrm>
+      </p:grpSpPr>
+      <p:sp>
+        <p:nvSpPr>
+          <p:cNvPr id="2" name="제목 1"/>
+          <p:cNvSpPr>
+            <a:spLocks noGrp="1"/>
+          </p:cNvSpPr>
+          <p:nvPr>
+            <p:ph type="title"/>
+          </p:nvPr>
+        </p:nvSpPr>
+        <p:spPr/>
+        <p:txBody>
+          <a:bodyPr>
+            <a:normAutofit/>
+          </a:bodyPr>
+          <a:lstStyle/>
+          <a:p>
+            <a:r>
+              <a:rPr lang="en-US" altLang="ko-KR" dirty="0"/>
+              <a:t> </a:t>
+            </a:r>
+            <a:r>
+              <a:rPr lang="ko-KR" altLang="en-US" dirty="0" smtClean="0"/>
+              <a:t>템플릿 </a:t>
+            </a:r>
+            <a:r>
+              <a:rPr lang="en-US" altLang="ko-KR" dirty="0" smtClean="0"/>
+              <a:t>– </a:t>
+            </a:r>
+            <a:r>
+              <a:rPr lang="ko-KR" altLang="en-US" dirty="0" smtClean="0"/>
+              <a:t>카테고리 작성</a:t>
+            </a:r>
+            <a:endParaRPr lang="ko-KR" altLang="en-US" dirty="0"/>
+          </a:p>
+        </p:txBody>
+      </p:sp>
+      <p:sp>
+        <p:nvSpPr>
+          <p:cNvPr id="4" name="슬라이드 번호 개체 틀 3"/>
+          <p:cNvSpPr>
+            <a:spLocks noGrp="1"/>
+          </p:cNvSpPr>
+          <p:nvPr>
+            <p:ph type="sldNum" sz="quarter" idx="12"/>
+          </p:nvPr>
+        </p:nvSpPr>
+        <p:spPr/>
+        <p:txBody>
+          <a:bodyPr/>
+          <a:lstStyle/>
+          <a:p>
+            <a:fld id="{1BDE3FE7-3AEA-4B05-AC5A-802D1816ACF0}" type="slidenum">
+              <a:rPr lang="ko-KR" altLang="en-US" smtClean="0"/>
+              <a:t>25</a:t>
+            </a:fld>
+            <a:endParaRPr lang="ko-KR" altLang="en-US" dirty="0"/>
+          </a:p>
+        </p:txBody>
+      </p:sp>
+      <p:sp>
+        <p:nvSpPr>
+          <p:cNvPr id="6" name="TextBox 5"/>
+          <p:cNvSpPr txBox="1"/>
+          <p:nvPr/>
+        </p:nvSpPr>
+        <p:spPr>
+          <a:xfrm>
+            <a:off x="1136576" y="1196752"/>
+            <a:ext cx="6768752" cy="507831"/>
+          </a:xfrm>
+          <a:prstGeom prst="rect">
+            <a:avLst/>
+          </a:prstGeom>
+          <a:noFill/>
+        </p:spPr>
+        <p:txBody>
+          <a:bodyPr wrap="square" rtlCol="0">
+            <a:spAutoFit/>
+          </a:bodyPr>
+          <a:lstStyle/>
+          <a:p>
+            <a:pPr>
+              <a:lnSpc>
+                <a:spcPct val="150000"/>
+              </a:lnSpc>
+            </a:pPr>
+            <a:r>
+              <a:rPr lang="en-US" altLang="ko-KR" dirty="0" smtClean="0"/>
+              <a:t>11</a:t>
+            </a:r>
+            <a:r>
+              <a:rPr lang="en-US" altLang="ko-KR" dirty="0" smtClean="0"/>
+              <a:t>. </a:t>
             </a:r>
             <a:r>
               <a:rPr lang="ko-KR" altLang="en-US" dirty="0" smtClean="0"/>
@@ -6533,7 +7406,7 @@
 </p:sld>
 </file>
 
-<file path=ppt/slides/slide21.xml><?xml version="1.0" encoding="utf-8"?>
+<file path=ppt/slides/slide26.xml><?xml version="1.0" encoding="utf-8"?>
 <p:sld xmlns:a="http://schemas.openxmlformats.org/drawingml/2006/main" xmlns:r="http://schemas.openxmlformats.org/officeDocument/2006/relationships" xmlns:p="http://schemas.openxmlformats.org/presentationml/2006/main">
   <p:cSld>
     <p:spTree>
@@ -6604,7 +7477,7 @@
           <a:p>
             <a:fld id="{1BDE3FE7-3AEA-4B05-AC5A-802D1816ACF0}" type="slidenum">
               <a:rPr lang="ko-KR" altLang="en-US" smtClean="0"/>
-              <a:t>21</a:t>
+              <a:t>26</a:t>
             </a:fld>
             <a:endParaRPr lang="ko-KR" altLang="en-US" dirty="0"/>
           </a:p>
@@ -6619,7 +7492,7 @@
         <p:spPr>
           <a:xfrm>
             <a:off x="1136576" y="1196752"/>
-            <a:ext cx="6768752" cy="454292"/>
+            <a:ext cx="6768752" cy="507831"/>
           </a:xfrm>
           <a:prstGeom prst="rect">
             <a:avLst/>
@@ -6639,7 +7512,11 @@
             </a:pPr>
             <a:r>
               <a:rPr lang="en-US" altLang="ko-KR" dirty="0" smtClean="0"/>
-              <a:t>5. </a:t>
+              <a:t>11</a:t>
+            </a:r>
+            <a:r>
+              <a:rPr lang="en-US" altLang="ko-KR" dirty="0" smtClean="0"/>
+              <a:t> </a:t>
             </a:r>
             <a:r>
               <a:rPr lang="ko-KR" altLang="en-US" dirty="0" smtClean="0"/>
@@ -6728,887 +7605,6 @@
     <p:extLst>
       <p:ext uri="{BB962C8B-B14F-4D97-AF65-F5344CB8AC3E}">
         <p14:creationId xmlns:p14="http://schemas.microsoft.com/office/powerpoint/2010/main" val="2590496725"/>
-      </p:ext>
-    </p:extLst>
-  </p:cSld>
-  <p:clrMapOvr>
-    <a:masterClrMapping/>
-  </p:clrMapOvr>
-  <p:timing>
-    <p:tnLst>
-      <p:par>
-        <p:cTn id="1" dur="indefinite" restart="never" nodeType="tmRoot"/>
-      </p:par>
-    </p:tnLst>
-  </p:timing>
-</p:sld>
-</file>
-
-<file path=ppt/slides/slide22.xml><?xml version="1.0" encoding="utf-8"?>
-<p:sld xmlns:a="http://schemas.openxmlformats.org/drawingml/2006/main" xmlns:r="http://schemas.openxmlformats.org/officeDocument/2006/relationships" xmlns:p="http://schemas.openxmlformats.org/presentationml/2006/main">
-  <p:cSld>
-    <p:spTree>
-      <p:nvGrpSpPr>
-        <p:cNvPr id="1" name=""/>
-        <p:cNvGrpSpPr/>
-        <p:nvPr/>
-      </p:nvGrpSpPr>
-      <p:grpSpPr>
-        <a:xfrm>
-          <a:off x="0" y="0"/>
-          <a:ext cx="0" cy="0"/>
-          <a:chOff x="0" y="0"/>
-          <a:chExt cx="0" cy="0"/>
-        </a:xfrm>
-      </p:grpSpPr>
-      <p:sp>
-        <p:nvSpPr>
-          <p:cNvPr id="2" name="제목 1"/>
-          <p:cNvSpPr>
-            <a:spLocks noGrp="1"/>
-          </p:cNvSpPr>
-          <p:nvPr>
-            <p:ph type="title"/>
-          </p:nvPr>
-        </p:nvSpPr>
-        <p:spPr/>
-        <p:txBody>
-          <a:bodyPr>
-            <a:normAutofit/>
-          </a:bodyPr>
-          <a:lstStyle/>
-          <a:p>
-            <a:r>
-              <a:rPr lang="en-US" altLang="ko-KR" dirty="0"/>
-              <a:t> </a:t>
-            </a:r>
-            <a:r>
-              <a:rPr lang="ko-KR" altLang="en-US" dirty="0" smtClean="0"/>
-              <a:t>카테고리 등</a:t>
-            </a:r>
-            <a:r>
-              <a:rPr lang="ko-KR" altLang="en-US" dirty="0"/>
-              <a:t>록</a:t>
-            </a:r>
-          </a:p>
-        </p:txBody>
-      </p:sp>
-      <p:sp>
-        <p:nvSpPr>
-          <p:cNvPr id="4" name="슬라이드 번호 개체 틀 3"/>
-          <p:cNvSpPr>
-            <a:spLocks noGrp="1"/>
-          </p:cNvSpPr>
-          <p:nvPr>
-            <p:ph type="sldNum" sz="quarter" idx="12"/>
-          </p:nvPr>
-        </p:nvSpPr>
-        <p:spPr/>
-        <p:txBody>
-          <a:bodyPr/>
-          <a:lstStyle/>
-          <a:p>
-            <a:fld id="{1BDE3FE7-3AEA-4B05-AC5A-802D1816ACF0}" type="slidenum">
-              <a:rPr lang="ko-KR" altLang="en-US" smtClean="0"/>
-              <a:t>22</a:t>
-            </a:fld>
-            <a:endParaRPr lang="ko-KR" altLang="en-US" dirty="0"/>
-          </a:p>
-        </p:txBody>
-      </p:sp>
-      <p:sp>
-        <p:nvSpPr>
-          <p:cNvPr id="6" name="TextBox 5"/>
-          <p:cNvSpPr txBox="1"/>
-          <p:nvPr/>
-        </p:nvSpPr>
-        <p:spPr>
-          <a:xfrm>
-            <a:off x="1136576" y="1268760"/>
-            <a:ext cx="6768752" cy="507831"/>
-          </a:xfrm>
-          <a:prstGeom prst="rect">
-            <a:avLst/>
-          </a:prstGeom>
-          <a:noFill/>
-        </p:spPr>
-        <p:txBody>
-          <a:bodyPr wrap="square" rtlCol="0">
-            <a:spAutoFit/>
-          </a:bodyPr>
-          <a:lstStyle/>
-          <a:p>
-            <a:pPr>
-              <a:lnSpc>
-                <a:spcPct val="150000"/>
-              </a:lnSpc>
-            </a:pPr>
-            <a:r>
-              <a:rPr lang="en-US" altLang="ko-KR" dirty="0"/>
-              <a:t>6</a:t>
-            </a:r>
-            <a:r>
-              <a:rPr lang="en-US" altLang="ko-KR" dirty="0" smtClean="0"/>
-              <a:t>. </a:t>
-            </a:r>
-            <a:r>
-              <a:rPr lang="ko-KR" altLang="en-US" dirty="0" smtClean="0"/>
-              <a:t>관리자 페이지에 등록 </a:t>
-            </a:r>
-            <a:r>
-              <a:rPr lang="en-US" altLang="ko-KR" dirty="0" smtClean="0"/>
-              <a:t>– blog/admin.py</a:t>
-            </a:r>
-            <a:endParaRPr lang="en-US" altLang="ko-KR" dirty="0"/>
-          </a:p>
-        </p:txBody>
-      </p:sp>
-      <p:pic>
-        <p:nvPicPr>
-          <p:cNvPr id="3" name="그림 2"/>
-          <p:cNvPicPr>
-            <a:picLocks noChangeAspect="1"/>
-          </p:cNvPicPr>
-          <p:nvPr/>
-        </p:nvPicPr>
-        <p:blipFill>
-          <a:blip r:embed="rId2">
-            <a:extLst>
-              <a:ext uri="{28A0092B-C50C-407E-A947-70E740481C1C}">
-                <a14:useLocalDpi xmlns:a14="http://schemas.microsoft.com/office/drawing/2010/main" val="0"/>
-              </a:ext>
-            </a:extLst>
-          </a:blip>
-          <a:stretch>
-            <a:fillRect/>
-          </a:stretch>
-        </p:blipFill>
-        <p:spPr>
-          <a:xfrm>
-            <a:off x="1496615" y="1844824"/>
-            <a:ext cx="5571485" cy="2880320"/>
-          </a:xfrm>
-          <a:prstGeom prst="rect">
-            <a:avLst/>
-          </a:prstGeom>
-          <a:ln>
-            <a:solidFill>
-              <a:schemeClr val="bg1">
-                <a:lumMod val="85000"/>
-              </a:schemeClr>
-            </a:solidFill>
-          </a:ln>
-        </p:spPr>
-      </p:pic>
-    </p:spTree>
-    <p:extLst>
-      <p:ext uri="{BB962C8B-B14F-4D97-AF65-F5344CB8AC3E}">
-        <p14:creationId xmlns:p14="http://schemas.microsoft.com/office/powerpoint/2010/main" val="31362988"/>
-      </p:ext>
-    </p:extLst>
-  </p:cSld>
-  <p:clrMapOvr>
-    <a:masterClrMapping/>
-  </p:clrMapOvr>
-  <p:timing>
-    <p:tnLst>
-      <p:par>
-        <p:cTn id="1" dur="indefinite" restart="never" nodeType="tmRoot"/>
-      </p:par>
-    </p:tnLst>
-  </p:timing>
-</p:sld>
-</file>
-
-<file path=ppt/slides/slide23.xml><?xml version="1.0" encoding="utf-8"?>
-<p:sld xmlns:a="http://schemas.openxmlformats.org/drawingml/2006/main" xmlns:r="http://schemas.openxmlformats.org/officeDocument/2006/relationships" xmlns:p="http://schemas.openxmlformats.org/presentationml/2006/main">
-  <p:cSld>
-    <p:spTree>
-      <p:nvGrpSpPr>
-        <p:cNvPr id="1" name=""/>
-        <p:cNvGrpSpPr/>
-        <p:nvPr/>
-      </p:nvGrpSpPr>
-      <p:grpSpPr>
-        <a:xfrm>
-          <a:off x="0" y="0"/>
-          <a:ext cx="0" cy="0"/>
-          <a:chOff x="0" y="0"/>
-          <a:chExt cx="0" cy="0"/>
-        </a:xfrm>
-      </p:grpSpPr>
-      <p:sp>
-        <p:nvSpPr>
-          <p:cNvPr id="2" name="제목 1"/>
-          <p:cNvSpPr>
-            <a:spLocks noGrp="1"/>
-          </p:cNvSpPr>
-          <p:nvPr>
-            <p:ph type="title"/>
-          </p:nvPr>
-        </p:nvSpPr>
-        <p:spPr/>
-        <p:txBody>
-          <a:bodyPr>
-            <a:normAutofit/>
-          </a:bodyPr>
-          <a:lstStyle/>
-          <a:p>
-            <a:r>
-              <a:rPr lang="en-US" altLang="ko-KR" dirty="0"/>
-              <a:t> </a:t>
-            </a:r>
-            <a:r>
-              <a:rPr lang="ko-KR" altLang="en-US" dirty="0" smtClean="0"/>
-              <a:t>카테고리 등록 </a:t>
-            </a:r>
-            <a:r>
-              <a:rPr lang="en-US" altLang="ko-KR" dirty="0" smtClean="0"/>
-              <a:t>– </a:t>
-            </a:r>
-            <a:r>
-              <a:rPr lang="ko-KR" altLang="en-US" dirty="0" smtClean="0"/>
-              <a:t>관리자 페이지</a:t>
-            </a:r>
-            <a:endParaRPr lang="ko-KR" altLang="en-US" dirty="0"/>
-          </a:p>
-        </p:txBody>
-      </p:sp>
-      <p:sp>
-        <p:nvSpPr>
-          <p:cNvPr id="4" name="슬라이드 번호 개체 틀 3"/>
-          <p:cNvSpPr>
-            <a:spLocks noGrp="1"/>
-          </p:cNvSpPr>
-          <p:nvPr>
-            <p:ph type="sldNum" sz="quarter" idx="12"/>
-          </p:nvPr>
-        </p:nvSpPr>
-        <p:spPr/>
-        <p:txBody>
-          <a:bodyPr/>
-          <a:lstStyle/>
-          <a:p>
-            <a:fld id="{1BDE3FE7-3AEA-4B05-AC5A-802D1816ACF0}" type="slidenum">
-              <a:rPr lang="ko-KR" altLang="en-US" smtClean="0"/>
-              <a:t>23</a:t>
-            </a:fld>
-            <a:endParaRPr lang="ko-KR" altLang="en-US" dirty="0"/>
-          </a:p>
-        </p:txBody>
-      </p:sp>
-      <p:sp>
-        <p:nvSpPr>
-          <p:cNvPr id="6" name="TextBox 5"/>
-          <p:cNvSpPr txBox="1"/>
-          <p:nvPr/>
-        </p:nvSpPr>
-        <p:spPr>
-          <a:xfrm>
-            <a:off x="1136576" y="1268760"/>
-            <a:ext cx="6768752" cy="507831"/>
-          </a:xfrm>
-          <a:prstGeom prst="rect">
-            <a:avLst/>
-          </a:prstGeom>
-          <a:noFill/>
-        </p:spPr>
-        <p:txBody>
-          <a:bodyPr wrap="square" rtlCol="0">
-            <a:spAutoFit/>
-          </a:bodyPr>
-          <a:lstStyle/>
-          <a:p>
-            <a:pPr>
-              <a:lnSpc>
-                <a:spcPct val="150000"/>
-              </a:lnSpc>
-            </a:pPr>
-            <a:r>
-              <a:rPr lang="en-US" altLang="ko-KR" dirty="0"/>
-              <a:t>4</a:t>
-            </a:r>
-            <a:r>
-              <a:rPr lang="en-US" altLang="ko-KR" dirty="0" smtClean="0"/>
-              <a:t>. </a:t>
-            </a:r>
-            <a:r>
-              <a:rPr lang="ko-KR" altLang="en-US" dirty="0" smtClean="0"/>
-              <a:t>관리자 페이지에 카테고리 추가</a:t>
-            </a:r>
-            <a:endParaRPr lang="en-US" altLang="ko-KR" dirty="0"/>
-          </a:p>
-        </p:txBody>
-      </p:sp>
-      <p:pic>
-        <p:nvPicPr>
-          <p:cNvPr id="5" name="그림 4"/>
-          <p:cNvPicPr>
-            <a:picLocks noChangeAspect="1"/>
-          </p:cNvPicPr>
-          <p:nvPr/>
-        </p:nvPicPr>
-        <p:blipFill>
-          <a:blip r:embed="rId2">
-            <a:extLst>
-              <a:ext uri="{28A0092B-C50C-407E-A947-70E740481C1C}">
-                <a14:useLocalDpi xmlns:a14="http://schemas.microsoft.com/office/drawing/2010/main" val="0"/>
-              </a:ext>
-            </a:extLst>
-          </a:blip>
-          <a:stretch>
-            <a:fillRect/>
-          </a:stretch>
-        </p:blipFill>
-        <p:spPr>
-          <a:xfrm>
-            <a:off x="1496616" y="1954966"/>
-            <a:ext cx="6904319" cy="2362405"/>
-          </a:xfrm>
-          <a:prstGeom prst="rect">
-            <a:avLst/>
-          </a:prstGeom>
-          <a:ln>
-            <a:solidFill>
-              <a:schemeClr val="bg1">
-                <a:lumMod val="85000"/>
-              </a:schemeClr>
-            </a:solidFill>
-          </a:ln>
-        </p:spPr>
-      </p:pic>
-    </p:spTree>
-    <p:extLst>
-      <p:ext uri="{BB962C8B-B14F-4D97-AF65-F5344CB8AC3E}">
-        <p14:creationId xmlns:p14="http://schemas.microsoft.com/office/powerpoint/2010/main" val="659109320"/>
-      </p:ext>
-    </p:extLst>
-  </p:cSld>
-  <p:clrMapOvr>
-    <a:masterClrMapping/>
-  </p:clrMapOvr>
-  <p:timing>
-    <p:tnLst>
-      <p:par>
-        <p:cTn id="1" dur="indefinite" restart="never" nodeType="tmRoot"/>
-      </p:par>
-    </p:tnLst>
-  </p:timing>
-</p:sld>
-</file>
-
-<file path=ppt/slides/slide24.xml><?xml version="1.0" encoding="utf-8"?>
-<p:sld xmlns:a="http://schemas.openxmlformats.org/drawingml/2006/main" xmlns:r="http://schemas.openxmlformats.org/officeDocument/2006/relationships" xmlns:p="http://schemas.openxmlformats.org/presentationml/2006/main">
-  <p:cSld>
-    <p:spTree>
-      <p:nvGrpSpPr>
-        <p:cNvPr id="1" name=""/>
-        <p:cNvGrpSpPr/>
-        <p:nvPr/>
-      </p:nvGrpSpPr>
-      <p:grpSpPr>
-        <a:xfrm>
-          <a:off x="0" y="0"/>
-          <a:ext cx="0" cy="0"/>
-          <a:chOff x="0" y="0"/>
-          <a:chExt cx="0" cy="0"/>
-        </a:xfrm>
-      </p:grpSpPr>
-      <p:sp>
-        <p:nvSpPr>
-          <p:cNvPr id="2" name="제목 1"/>
-          <p:cNvSpPr>
-            <a:spLocks noGrp="1"/>
-          </p:cNvSpPr>
-          <p:nvPr>
-            <p:ph type="title"/>
-          </p:nvPr>
-        </p:nvSpPr>
-        <p:spPr/>
-        <p:txBody>
-          <a:bodyPr>
-            <a:normAutofit/>
-          </a:bodyPr>
-          <a:lstStyle/>
-          <a:p>
-            <a:r>
-              <a:rPr lang="en-US" altLang="ko-KR" dirty="0"/>
-              <a:t> </a:t>
-            </a:r>
-            <a:r>
-              <a:rPr lang="ko-KR" altLang="en-US" dirty="0" smtClean="0"/>
-              <a:t>포스</a:t>
-            </a:r>
-            <a:r>
-              <a:rPr lang="ko-KR" altLang="en-US" dirty="0"/>
-              <a:t>트</a:t>
-            </a:r>
-            <a:r>
-              <a:rPr lang="ko-KR" altLang="en-US" dirty="0" smtClean="0"/>
-              <a:t> 등록 </a:t>
-            </a:r>
-            <a:r>
-              <a:rPr lang="en-US" altLang="ko-KR" dirty="0" smtClean="0"/>
-              <a:t>– </a:t>
-            </a:r>
-            <a:r>
-              <a:rPr lang="ko-KR" altLang="en-US" dirty="0" smtClean="0"/>
-              <a:t>관리자 페이지</a:t>
-            </a:r>
-            <a:endParaRPr lang="ko-KR" altLang="en-US" dirty="0"/>
-          </a:p>
-        </p:txBody>
-      </p:sp>
-      <p:sp>
-        <p:nvSpPr>
-          <p:cNvPr id="4" name="슬라이드 번호 개체 틀 3"/>
-          <p:cNvSpPr>
-            <a:spLocks noGrp="1"/>
-          </p:cNvSpPr>
-          <p:nvPr>
-            <p:ph type="sldNum" sz="quarter" idx="12"/>
-          </p:nvPr>
-        </p:nvSpPr>
-        <p:spPr/>
-        <p:txBody>
-          <a:bodyPr/>
-          <a:lstStyle/>
-          <a:p>
-            <a:fld id="{1BDE3FE7-3AEA-4B05-AC5A-802D1816ACF0}" type="slidenum">
-              <a:rPr lang="ko-KR" altLang="en-US" smtClean="0"/>
-              <a:t>24</a:t>
-            </a:fld>
-            <a:endParaRPr lang="ko-KR" altLang="en-US" dirty="0"/>
-          </a:p>
-        </p:txBody>
-      </p:sp>
-      <p:sp>
-        <p:nvSpPr>
-          <p:cNvPr id="6" name="TextBox 5"/>
-          <p:cNvSpPr txBox="1"/>
-          <p:nvPr/>
-        </p:nvSpPr>
-        <p:spPr>
-          <a:xfrm>
-            <a:off x="1136576" y="1268760"/>
-            <a:ext cx="6768752" cy="507831"/>
-          </a:xfrm>
-          <a:prstGeom prst="rect">
-            <a:avLst/>
-          </a:prstGeom>
-          <a:noFill/>
-        </p:spPr>
-        <p:txBody>
-          <a:bodyPr wrap="square" rtlCol="0">
-            <a:spAutoFit/>
-          </a:bodyPr>
-          <a:lstStyle/>
-          <a:p>
-            <a:pPr>
-              <a:lnSpc>
-                <a:spcPct val="150000"/>
-              </a:lnSpc>
-            </a:pPr>
-            <a:r>
-              <a:rPr lang="en-US" altLang="ko-KR" dirty="0"/>
-              <a:t>4</a:t>
-            </a:r>
-            <a:r>
-              <a:rPr lang="en-US" altLang="ko-KR" dirty="0" smtClean="0"/>
-              <a:t>. </a:t>
-            </a:r>
-            <a:r>
-              <a:rPr lang="ko-KR" altLang="en-US" dirty="0" smtClean="0"/>
-              <a:t>관리자 페이지에 포스트 등록 </a:t>
-            </a:r>
-            <a:r>
-              <a:rPr lang="en-US" altLang="ko-KR" dirty="0" smtClean="0"/>
-              <a:t>– </a:t>
-            </a:r>
-            <a:r>
-              <a:rPr lang="ko-KR" altLang="en-US" dirty="0" smtClean="0"/>
-              <a:t>카테고리 선택</a:t>
-            </a:r>
-            <a:endParaRPr lang="en-US" altLang="ko-KR" dirty="0"/>
-          </a:p>
-        </p:txBody>
-      </p:sp>
-      <p:pic>
-        <p:nvPicPr>
-          <p:cNvPr id="3" name="그림 2"/>
-          <p:cNvPicPr>
-            <a:picLocks noChangeAspect="1"/>
-          </p:cNvPicPr>
-          <p:nvPr/>
-        </p:nvPicPr>
-        <p:blipFill>
-          <a:blip r:embed="rId2">
-            <a:extLst>
-              <a:ext uri="{28A0092B-C50C-407E-A947-70E740481C1C}">
-                <a14:useLocalDpi xmlns:a14="http://schemas.microsoft.com/office/drawing/2010/main" val="0"/>
-              </a:ext>
-            </a:extLst>
-          </a:blip>
-          <a:stretch>
-            <a:fillRect/>
-          </a:stretch>
-        </p:blipFill>
-        <p:spPr>
-          <a:xfrm>
-            <a:off x="1465758" y="1776591"/>
-            <a:ext cx="6110388" cy="4832194"/>
-          </a:xfrm>
-          <a:prstGeom prst="rect">
-            <a:avLst/>
-          </a:prstGeom>
-          <a:ln>
-            <a:solidFill>
-              <a:schemeClr val="bg1">
-                <a:lumMod val="85000"/>
-              </a:schemeClr>
-            </a:solidFill>
-          </a:ln>
-        </p:spPr>
-      </p:pic>
-    </p:spTree>
-    <p:extLst>
-      <p:ext uri="{BB962C8B-B14F-4D97-AF65-F5344CB8AC3E}">
-        <p14:creationId xmlns:p14="http://schemas.microsoft.com/office/powerpoint/2010/main" val="259885549"/>
-      </p:ext>
-    </p:extLst>
-  </p:cSld>
-  <p:clrMapOvr>
-    <a:masterClrMapping/>
-  </p:clrMapOvr>
-  <p:timing>
-    <p:tnLst>
-      <p:par>
-        <p:cTn id="1" dur="indefinite" restart="never" nodeType="tmRoot"/>
-      </p:par>
-    </p:tnLst>
-  </p:timing>
-</p:sld>
-</file>
-
-<file path=ppt/slides/slide25.xml><?xml version="1.0" encoding="utf-8"?>
-<p:sld xmlns:a="http://schemas.openxmlformats.org/drawingml/2006/main" xmlns:r="http://schemas.openxmlformats.org/officeDocument/2006/relationships" xmlns:p="http://schemas.openxmlformats.org/presentationml/2006/main">
-  <p:cSld>
-    <p:spTree>
-      <p:nvGrpSpPr>
-        <p:cNvPr id="1" name=""/>
-        <p:cNvGrpSpPr/>
-        <p:nvPr/>
-      </p:nvGrpSpPr>
-      <p:grpSpPr>
-        <a:xfrm>
-          <a:off x="0" y="0"/>
-          <a:ext cx="0" cy="0"/>
-          <a:chOff x="0" y="0"/>
-          <a:chExt cx="0" cy="0"/>
-        </a:xfrm>
-      </p:grpSpPr>
-      <p:sp>
-        <p:nvSpPr>
-          <p:cNvPr id="2" name="제목 1"/>
-          <p:cNvSpPr>
-            <a:spLocks noGrp="1"/>
-          </p:cNvSpPr>
-          <p:nvPr>
-            <p:ph type="title"/>
-          </p:nvPr>
-        </p:nvSpPr>
-        <p:spPr/>
-        <p:txBody>
-          <a:bodyPr>
-            <a:normAutofit/>
-          </a:bodyPr>
-          <a:lstStyle/>
-          <a:p>
-            <a:r>
-              <a:rPr lang="en-US" altLang="ko-KR" dirty="0"/>
-              <a:t> </a:t>
-            </a:r>
-            <a:r>
-              <a:rPr lang="en-US" altLang="ko-KR" dirty="0" smtClean="0"/>
-              <a:t>style.css</a:t>
-            </a:r>
-            <a:endParaRPr lang="ko-KR" altLang="en-US" dirty="0"/>
-          </a:p>
-        </p:txBody>
-      </p:sp>
-      <p:sp>
-        <p:nvSpPr>
-          <p:cNvPr id="4" name="슬라이드 번호 개체 틀 3"/>
-          <p:cNvSpPr>
-            <a:spLocks noGrp="1"/>
-          </p:cNvSpPr>
-          <p:nvPr>
-            <p:ph type="sldNum" sz="quarter" idx="12"/>
-          </p:nvPr>
-        </p:nvSpPr>
-        <p:spPr/>
-        <p:txBody>
-          <a:bodyPr/>
-          <a:lstStyle/>
-          <a:p>
-            <a:fld id="{1BDE3FE7-3AEA-4B05-AC5A-802D1816ACF0}" type="slidenum">
-              <a:rPr lang="ko-KR" altLang="en-US" smtClean="0"/>
-              <a:t>25</a:t>
-            </a:fld>
-            <a:endParaRPr lang="ko-KR" altLang="en-US" dirty="0"/>
-          </a:p>
-        </p:txBody>
-      </p:sp>
-      <p:sp>
-        <p:nvSpPr>
-          <p:cNvPr id="7" name="TextBox 6"/>
-          <p:cNvSpPr txBox="1"/>
-          <p:nvPr/>
-        </p:nvSpPr>
-        <p:spPr>
-          <a:xfrm>
-            <a:off x="1496616" y="1412776"/>
-            <a:ext cx="1152128" cy="369332"/>
-          </a:xfrm>
-          <a:prstGeom prst="rect">
-            <a:avLst/>
-          </a:prstGeom>
-          <a:noFill/>
-        </p:spPr>
-        <p:txBody>
-          <a:bodyPr wrap="square" rtlCol="0">
-            <a:spAutoFit/>
-          </a:bodyPr>
-          <a:lstStyle/>
-          <a:p>
-            <a:r>
-              <a:rPr lang="en-US" altLang="ko-KR" dirty="0">
-                <a:solidFill>
-                  <a:srgbClr val="0070C0"/>
-                </a:solidFill>
-              </a:rPr>
-              <a:t>s</a:t>
-            </a:r>
-            <a:r>
-              <a:rPr lang="en-US" altLang="ko-KR" dirty="0" smtClean="0">
-                <a:solidFill>
-                  <a:srgbClr val="0070C0"/>
-                </a:solidFill>
-              </a:rPr>
-              <a:t>tyle.css</a:t>
-            </a:r>
-            <a:endParaRPr lang="ko-KR" altLang="en-US" dirty="0">
-              <a:solidFill>
-                <a:srgbClr val="0070C0"/>
-              </a:solidFill>
-            </a:endParaRPr>
-          </a:p>
-        </p:txBody>
-      </p:sp>
-      <p:pic>
-        <p:nvPicPr>
-          <p:cNvPr id="5" name="그림 4"/>
-          <p:cNvPicPr>
-            <a:picLocks noChangeAspect="1"/>
-          </p:cNvPicPr>
-          <p:nvPr/>
-        </p:nvPicPr>
-        <p:blipFill>
-          <a:blip r:embed="rId2">
-            <a:extLst>
-              <a:ext uri="{28A0092B-C50C-407E-A947-70E740481C1C}">
-                <a14:useLocalDpi xmlns:a14="http://schemas.microsoft.com/office/drawing/2010/main" val="0"/>
-              </a:ext>
-            </a:extLst>
-          </a:blip>
-          <a:stretch>
-            <a:fillRect/>
-          </a:stretch>
-        </p:blipFill>
-        <p:spPr>
-          <a:xfrm>
-            <a:off x="1352600" y="2050420"/>
-            <a:ext cx="7223246" cy="2962755"/>
-          </a:xfrm>
-          <a:prstGeom prst="rect">
-            <a:avLst/>
-          </a:prstGeom>
-          <a:ln>
-            <a:solidFill>
-              <a:schemeClr val="bg1">
-                <a:lumMod val="85000"/>
-              </a:schemeClr>
-            </a:solidFill>
-          </a:ln>
-        </p:spPr>
-      </p:pic>
-    </p:spTree>
-    <p:extLst>
-      <p:ext uri="{BB962C8B-B14F-4D97-AF65-F5344CB8AC3E}">
-        <p14:creationId xmlns:p14="http://schemas.microsoft.com/office/powerpoint/2010/main" val="2402140634"/>
-      </p:ext>
-    </p:extLst>
-  </p:cSld>
-  <p:clrMapOvr>
-    <a:masterClrMapping/>
-  </p:clrMapOvr>
-  <p:timing>
-    <p:tnLst>
-      <p:par>
-        <p:cTn id="1" dur="indefinite" restart="never" nodeType="tmRoot"/>
-      </p:par>
-    </p:tnLst>
-  </p:timing>
-</p:sld>
-</file>
-
-<file path=ppt/slides/slide26.xml><?xml version="1.0" encoding="utf-8"?>
-<p:sld xmlns:a="http://schemas.openxmlformats.org/drawingml/2006/main" xmlns:r="http://schemas.openxmlformats.org/officeDocument/2006/relationships" xmlns:p="http://schemas.openxmlformats.org/presentationml/2006/main">
-  <p:cSld>
-    <p:spTree>
-      <p:nvGrpSpPr>
-        <p:cNvPr id="1" name=""/>
-        <p:cNvGrpSpPr/>
-        <p:nvPr/>
-      </p:nvGrpSpPr>
-      <p:grpSpPr>
-        <a:xfrm>
-          <a:off x="0" y="0"/>
-          <a:ext cx="0" cy="0"/>
-          <a:chOff x="0" y="0"/>
-          <a:chExt cx="0" cy="0"/>
-        </a:xfrm>
-      </p:grpSpPr>
-      <p:sp>
-        <p:nvSpPr>
-          <p:cNvPr id="2" name="제목 1"/>
-          <p:cNvSpPr>
-            <a:spLocks noGrp="1"/>
-          </p:cNvSpPr>
-          <p:nvPr>
-            <p:ph type="title"/>
-          </p:nvPr>
-        </p:nvSpPr>
-        <p:spPr/>
-        <p:txBody>
-          <a:bodyPr>
-            <a:normAutofit/>
-          </a:bodyPr>
-          <a:lstStyle/>
-          <a:p>
-            <a:r>
-              <a:rPr lang="en-US" altLang="ko-KR" dirty="0"/>
-              <a:t> </a:t>
-            </a:r>
-            <a:r>
-              <a:rPr lang="ko-KR" altLang="en-US" dirty="0" smtClean="0"/>
-              <a:t>포스트 등록 폼</a:t>
-            </a:r>
-            <a:endParaRPr lang="ko-KR" altLang="en-US" dirty="0"/>
-          </a:p>
-        </p:txBody>
-      </p:sp>
-      <p:sp>
-        <p:nvSpPr>
-          <p:cNvPr id="4" name="슬라이드 번호 개체 틀 3"/>
-          <p:cNvSpPr>
-            <a:spLocks noGrp="1"/>
-          </p:cNvSpPr>
-          <p:nvPr>
-            <p:ph type="sldNum" sz="quarter" idx="12"/>
-          </p:nvPr>
-        </p:nvSpPr>
-        <p:spPr/>
-        <p:txBody>
-          <a:bodyPr/>
-          <a:lstStyle/>
-          <a:p>
-            <a:fld id="{1BDE3FE7-3AEA-4B05-AC5A-802D1816ACF0}" type="slidenum">
-              <a:rPr lang="ko-KR" altLang="en-US" smtClean="0"/>
-              <a:t>26</a:t>
-            </a:fld>
-            <a:endParaRPr lang="ko-KR" altLang="en-US" dirty="0"/>
-          </a:p>
-        </p:txBody>
-      </p:sp>
-      <p:sp>
-        <p:nvSpPr>
-          <p:cNvPr id="6" name="TextBox 5"/>
-          <p:cNvSpPr txBox="1"/>
-          <p:nvPr/>
-        </p:nvSpPr>
-        <p:spPr>
-          <a:xfrm>
-            <a:off x="1136576" y="1268760"/>
-            <a:ext cx="6768752" cy="507831"/>
-          </a:xfrm>
-          <a:prstGeom prst="rect">
-            <a:avLst/>
-          </a:prstGeom>
-          <a:noFill/>
-        </p:spPr>
-        <p:txBody>
-          <a:bodyPr wrap="square" rtlCol="0">
-            <a:spAutoFit/>
-          </a:bodyPr>
-          <a:lstStyle/>
-          <a:p>
-            <a:pPr marL="285750" indent="-285750">
-              <a:lnSpc>
-                <a:spcPct val="150000"/>
-              </a:lnSpc>
-              <a:buFont typeface="Wingdings" panose="05000000000000000000" pitchFamily="2" charset="2"/>
-              <a:buChar char="v"/>
-            </a:pPr>
-            <a:r>
-              <a:rPr lang="ko-KR" altLang="en-US" dirty="0" smtClean="0"/>
-              <a:t>포스트 등록 폼에서 카테고리 추가하기</a:t>
-            </a:r>
-            <a:endParaRPr lang="en-US" altLang="ko-KR" dirty="0"/>
-          </a:p>
-        </p:txBody>
-      </p:sp>
-      <p:pic>
-        <p:nvPicPr>
-          <p:cNvPr id="3" name="그림 2"/>
-          <p:cNvPicPr>
-            <a:picLocks noChangeAspect="1"/>
-          </p:cNvPicPr>
-          <p:nvPr/>
-        </p:nvPicPr>
-        <p:blipFill>
-          <a:blip r:embed="rId2">
-            <a:extLst>
-              <a:ext uri="{28A0092B-C50C-407E-A947-70E740481C1C}">
-                <a14:useLocalDpi xmlns:a14="http://schemas.microsoft.com/office/drawing/2010/main" val="0"/>
-              </a:ext>
-            </a:extLst>
-          </a:blip>
-          <a:stretch>
-            <a:fillRect/>
-          </a:stretch>
-        </p:blipFill>
-        <p:spPr>
-          <a:xfrm>
-            <a:off x="1366801" y="1884021"/>
-            <a:ext cx="6538527" cy="3322608"/>
-          </a:xfrm>
-          <a:prstGeom prst="rect">
-            <a:avLst/>
-          </a:prstGeom>
-          <a:ln>
-            <a:solidFill>
-              <a:schemeClr val="bg1">
-                <a:lumMod val="85000"/>
-              </a:schemeClr>
-            </a:solidFill>
-          </a:ln>
-        </p:spPr>
-      </p:pic>
-    </p:spTree>
-    <p:extLst>
-      <p:ext uri="{BB962C8B-B14F-4D97-AF65-F5344CB8AC3E}">
-        <p14:creationId xmlns:p14="http://schemas.microsoft.com/office/powerpoint/2010/main" val="790296588"/>
       </p:ext>
     </p:extLst>
   </p:cSld>
@@ -8023,7 +8019,15 @@
             </a:r>
             <a:r>
               <a:rPr lang="ko-KR" altLang="en-US" dirty="0" smtClean="0"/>
-              <a:t>포스트 수정하기 </a:t>
+              <a:t>포스트 </a:t>
+            </a:r>
+            <a:r>
+              <a:rPr lang="ko-KR" altLang="en-US" dirty="0" smtClean="0"/>
+              <a:t>삭제</a:t>
+            </a:r>
+            <a:r>
+              <a:rPr lang="ko-KR" altLang="en-US" dirty="0" smtClean="0"/>
+              <a:t>하기 </a:t>
             </a:r>
             <a:endParaRPr lang="ko-KR" altLang="en-US" dirty="0"/>
           </a:p>
